--- a/presentation.pptx
+++ b/presentation.pptx
@@ -5,35 +5,40 @@
     <p:sldMasterId id="2147483659" r:id="rId1"/>
   </p:sldMasterIdLst>
   <p:notesMasterIdLst>
-    <p:notesMasterId r:id="rId7"/>
+    <p:notesMasterId r:id="rId12"/>
   </p:notesMasterIdLst>
   <p:sldIdLst>
     <p:sldId id="256" r:id="rId2"/>
     <p:sldId id="257" r:id="rId3"/>
     <p:sldId id="266" r:id="rId4"/>
     <p:sldId id="258" r:id="rId5"/>
-    <p:sldId id="267" r:id="rId6"/>
+    <p:sldId id="268" r:id="rId6"/>
+    <p:sldId id="269" r:id="rId7"/>
+    <p:sldId id="270" r:id="rId8"/>
+    <p:sldId id="271" r:id="rId9"/>
+    <p:sldId id="272" r:id="rId10"/>
+    <p:sldId id="267" r:id="rId11"/>
   </p:sldIdLst>
   <p:sldSz cx="9144000" cy="5143500" type="screen16x9"/>
   <p:notesSz cx="6858000" cy="9144000"/>
   <p:embeddedFontLst>
     <p:embeddedFont>
       <p:font typeface="Lato" panose="020F0502020204030203" pitchFamily="34" charset="0"/>
-      <p:regular r:id="rId8"/>
-      <p:bold r:id="rId9"/>
-      <p:italic r:id="rId10"/>
-      <p:boldItalic r:id="rId11"/>
+      <p:regular r:id="rId13"/>
+      <p:bold r:id="rId14"/>
+      <p:italic r:id="rId15"/>
+      <p:boldItalic r:id="rId16"/>
     </p:embeddedFont>
     <p:embeddedFont>
       <p:font typeface="Montserrat" panose="00000500000000000000" pitchFamily="2" charset="0"/>
-      <p:regular r:id="rId12"/>
-      <p:bold r:id="rId13"/>
-      <p:italic r:id="rId14"/>
-      <p:boldItalic r:id="rId15"/>
+      <p:regular r:id="rId17"/>
+      <p:bold r:id="rId18"/>
+      <p:italic r:id="rId19"/>
+      <p:boldItalic r:id="rId20"/>
     </p:embeddedFont>
     <p:embeddedFont>
       <p:font typeface="Staatliches" panose="020B0604020202020204" charset="0"/>
-      <p:regular r:id="rId16"/>
+      <p:regular r:id="rId21"/>
     </p:embeddedFont>
   </p:embeddedFontLst>
   <p:defaultTextStyle>
@@ -291,6 +296,7 @@
     <p1510:client id="{434F7545-5788-4B8E-B5B5-CC82B4D51645}" v="1205" dt="2021-12-07T21:39:01.913"/>
     <p1510:client id="{72BCDCB3-4A6E-4964-ADAC-C4272E37199A}" v="5" dt="2021-12-07T21:56:48.816"/>
     <p1510:client id="{A2DE4F1A-642B-4E72-9316-6FE6BD755749}" v="109" dt="2021-12-07T22:11:47.555"/>
+    <p1510:client id="{F64C1180-3DBB-400F-BC57-F76B4AC8D4ED}" v="485" dt="2021-12-08T16:25:41.732"/>
   </p1510:revLst>
 </p1510:revInfo>
 </file>
@@ -9359,6 +9365,161 @@
 </p:sld>
 </file>
 
+<file path=ppt/slides/slide10.xml><?xml version="1.0" encoding="utf-8"?>
+<p:sld xmlns:a="http://schemas.openxmlformats.org/drawingml/2006/main" xmlns:r="http://schemas.openxmlformats.org/officeDocument/2006/relationships" xmlns:p="http://schemas.openxmlformats.org/presentationml/2006/main">
+  <p:cSld>
+    <p:spTree>
+      <p:nvGrpSpPr>
+        <p:cNvPr id="1" name=""/>
+        <p:cNvGrpSpPr/>
+        <p:nvPr/>
+      </p:nvGrpSpPr>
+      <p:grpSpPr>
+        <a:xfrm>
+          <a:off x="0" y="0"/>
+          <a:ext cx="0" cy="0"/>
+          <a:chOff x="0" y="0"/>
+          <a:chExt cx="0" cy="0"/>
+        </a:xfrm>
+      </p:grpSpPr>
+      <p:sp>
+        <p:nvSpPr>
+          <p:cNvPr id="2" name="Titolo 1">
+            <a:extLst>
+              <a:ext uri="{FF2B5EF4-FFF2-40B4-BE49-F238E27FC236}">
+                <a16:creationId xmlns:a16="http://schemas.microsoft.com/office/drawing/2014/main" id="{D81F7813-BC69-4CC3-A5DF-DEC2E523F34B}"/>
+              </a:ext>
+            </a:extLst>
+          </p:cNvPr>
+          <p:cNvSpPr>
+            <a:spLocks noGrp="1"/>
+          </p:cNvSpPr>
+          <p:nvPr>
+            <p:ph type="title"/>
+          </p:nvPr>
+        </p:nvSpPr>
+        <p:spPr>
+          <a:xfrm>
+            <a:off x="3061345" y="1410305"/>
+            <a:ext cx="3014913" cy="2321973"/>
+          </a:xfrm>
+        </p:spPr>
+        <p:txBody>
+          <a:bodyPr>
+            <a:normAutofit/>
+          </a:bodyPr>
+          <a:lstStyle/>
+          <a:p>
+            <a:pPr algn="ctr"/>
+            <a:r>
+              <a:rPr lang="it-IT" sz="3200" b="1" i="1" dirty="0"/>
+              <a:t>THANKS </a:t>
+            </a:r>
+            <a:br>
+              <a:rPr lang="it-IT" sz="3200" b="1" i="1" dirty="0"/>
+            </a:br>
+            <a:r>
+              <a:rPr lang="it-IT" sz="3200" b="1" i="1" dirty="0"/>
+              <a:t>FOR</a:t>
+            </a:r>
+            <a:br>
+              <a:rPr lang="it-IT" sz="3200" b="1" i="1" dirty="0"/>
+            </a:br>
+            <a:r>
+              <a:rPr lang="it-IT" sz="3200" b="1" i="1" dirty="0"/>
+              <a:t>LISTENING</a:t>
+            </a:r>
+            <a:endParaRPr lang="it-IT" b="1" dirty="0"/>
+          </a:p>
+        </p:txBody>
+      </p:sp>
+      <p:sp>
+        <p:nvSpPr>
+          <p:cNvPr id="5" name="Segnaposto numero diapositiva 4">
+            <a:extLst>
+              <a:ext uri="{FF2B5EF4-FFF2-40B4-BE49-F238E27FC236}">
+                <a16:creationId xmlns:a16="http://schemas.microsoft.com/office/drawing/2014/main" id="{6C4747E4-261C-4B9F-B390-1C2914B8AAE5}"/>
+              </a:ext>
+            </a:extLst>
+          </p:cNvPr>
+          <p:cNvSpPr>
+            <a:spLocks noGrp="1"/>
+          </p:cNvSpPr>
+          <p:nvPr>
+            <p:ph type="sldNum" idx="12"/>
+          </p:nvPr>
+        </p:nvSpPr>
+        <p:spPr/>
+        <p:txBody>
+          <a:bodyPr/>
+          <a:lstStyle/>
+          <a:p>
+            <a:pPr marL="0" lvl="0" indent="0" algn="r" rtl="0">
+              <a:spcBef>
+                <a:spcPts val="0"/>
+              </a:spcBef>
+              <a:spcAft>
+                <a:spcPts val="0"/>
+              </a:spcAft>
+              <a:buNone/>
+            </a:pPr>
+            <a:fld id="{00000000-1234-1234-1234-123412341234}" type="slidenum">
+              <a:rPr lang="it-IT"/>
+              <a:t>10</a:t>
+            </a:fld>
+            <a:endParaRPr lang="it-IT"/>
+          </a:p>
+        </p:txBody>
+      </p:sp>
+      <p:pic>
+        <p:nvPicPr>
+          <p:cNvPr id="6" name="Elemento grafico 6" descr="Segna Pollice su contorno">
+            <a:extLst>
+              <a:ext uri="{FF2B5EF4-FFF2-40B4-BE49-F238E27FC236}">
+                <a16:creationId xmlns:a16="http://schemas.microsoft.com/office/drawing/2014/main" id="{A799C577-F2A1-4906-B1D1-803139BE47F3}"/>
+              </a:ext>
+            </a:extLst>
+          </p:cNvPr>
+          <p:cNvPicPr>
+            <a:picLocks noChangeAspect="1"/>
+          </p:cNvPicPr>
+          <p:nvPr/>
+        </p:nvPicPr>
+        <p:blipFill>
+          <a:blip r:embed="rId2">
+            <a:extLst>
+              <a:ext uri="{96DAC541-7B7A-43D3-8B79-37D633B846F1}">
+                <asvg:svgBlip xmlns:asvg="http://schemas.microsoft.com/office/drawing/2016/SVG/main" r:embed="rId3"/>
+              </a:ext>
+            </a:extLst>
+          </a:blip>
+          <a:stretch>
+            <a:fillRect/>
+          </a:stretch>
+        </p:blipFill>
+        <p:spPr>
+          <a:xfrm>
+            <a:off x="4067827" y="3562872"/>
+            <a:ext cx="914400" cy="914400"/>
+          </a:xfrm>
+          <a:prstGeom prst="rect">
+            <a:avLst/>
+          </a:prstGeom>
+        </p:spPr>
+      </p:pic>
+    </p:spTree>
+    <p:extLst>
+      <p:ext uri="{BB962C8B-B14F-4D97-AF65-F5344CB8AC3E}">
+        <p14:creationId xmlns:p14="http://schemas.microsoft.com/office/powerpoint/2010/main" val="3381573304"/>
+      </p:ext>
+    </p:extLst>
+  </p:cSld>
+  <p:clrMapOvr>
+    <a:masterClrMapping/>
+  </p:clrMapOvr>
+</p:sld>
+</file>
+
 <file path=ppt/slides/slide2.xml><?xml version="1.0" encoding="utf-8"?>
 <p:sld xmlns:a="http://schemas.openxmlformats.org/drawingml/2006/main" xmlns:r="http://schemas.openxmlformats.org/officeDocument/2006/relationships" xmlns:p="http://schemas.openxmlformats.org/presentationml/2006/main">
   <p:cSld>
@@ -9389,7 +9550,7 @@
         <p:spPr>
           <a:xfrm>
             <a:off x="1297500" y="393750"/>
-            <a:ext cx="3782133" cy="890615"/>
+            <a:ext cx="7554033" cy="890615"/>
           </a:xfrm>
           <a:prstGeom prst="rect">
             <a:avLst/>
@@ -9439,7 +9600,7 @@
             </a:pPr>
             <a:r>
               <a:rPr lang="de" sz="1900" i="1" dirty="0"/>
-              <a:t>Unique Functionalities Provided</a:t>
+              <a:t>Unique Funtcionalities Provided</a:t>
             </a:r>
           </a:p>
           <a:p>
@@ -10609,7 +10770,7 @@
                   <a:ea typeface="Staatliches"/>
                   <a:cs typeface="Staatliches"/>
                 </a:rPr>
-                <a:t>Specific</a:t>
+                <a:t>PollutanTS</a:t>
               </a:r>
               <a:r>
                 <a:rPr lang="de" dirty="0">
@@ -10620,48 +10781,12 @@
                   <a:ea typeface="Staatliches"/>
                   <a:cs typeface="Staatliches"/>
                 </a:rPr>
-                <a:t> </a:t>
-              </a:r>
-              <a:r>
-                <a:rPr lang="de" dirty="0" err="1">
-                  <a:solidFill>
-                    <a:schemeClr val="dk1"/>
-                  </a:solidFill>
-                  <a:latin typeface="Staatliches"/>
-                  <a:ea typeface="Staatliches"/>
-                  <a:cs typeface="Staatliches"/>
-                </a:rPr>
-                <a:t>pollutant</a:t>
-              </a:r>
-              <a:r>
-                <a:rPr lang="de" dirty="0">
-                  <a:solidFill>
-                    <a:schemeClr val="dk1"/>
-                  </a:solidFill>
-                  <a:latin typeface="Staatliches"/>
-                  <a:ea typeface="Staatliches"/>
-                  <a:cs typeface="Staatliches"/>
-                </a:rPr>
-                <a:t> </a:t>
-              </a:r>
-              <a:r>
-                <a:rPr lang="de" dirty="0" err="1">
-                  <a:solidFill>
-                    <a:schemeClr val="dk1"/>
-                  </a:solidFill>
-                  <a:latin typeface="Staatliches"/>
-                  <a:ea typeface="Staatliches"/>
-                  <a:cs typeface="Staatliches"/>
-                </a:rPr>
-                <a:t>values</a:t>
+                <a:t>  EVALUATION</a:t>
               </a:r>
               <a:endParaRPr lang="de" dirty="0">
                 <a:solidFill>
                   <a:schemeClr val="dk1"/>
                 </a:solidFill>
-                <a:latin typeface="Staatliches"/>
-                <a:ea typeface="Staatliches"/>
-                <a:cs typeface="Staatliches"/>
               </a:endParaRPr>
             </a:p>
             <a:p>
@@ -11188,7 +11313,7 @@
           <p:cNvPr id="2" name="Titolo 1">
             <a:extLst>
               <a:ext uri="{FF2B5EF4-FFF2-40B4-BE49-F238E27FC236}">
-                <a16:creationId xmlns:a16="http://schemas.microsoft.com/office/drawing/2014/main" id="{D81F7813-BC69-4CC3-A5DF-DEC2E523F34B}"/>
+                <a16:creationId xmlns:a16="http://schemas.microsoft.com/office/drawing/2014/main" id="{B88FAAEB-471B-480A-8C60-D0C3763F5112}"/>
               </a:ext>
             </a:extLst>
           </p:cNvPr>
@@ -11199,38 +11324,15 @@
             <p:ph type="title"/>
           </p:nvPr>
         </p:nvSpPr>
-        <p:spPr>
-          <a:xfrm>
-            <a:off x="3061345" y="1410305"/>
-            <a:ext cx="3014913" cy="2321973"/>
-          </a:xfrm>
-        </p:spPr>
+        <p:spPr/>
         <p:txBody>
-          <a:bodyPr>
-            <a:normAutofit/>
-          </a:bodyPr>
+          <a:bodyPr/>
           <a:lstStyle/>
           <a:p>
-            <a:pPr algn="ctr"/>
             <a:r>
-              <a:rPr lang="it-IT" sz="3200" b="1" i="1" dirty="0"/>
-              <a:t>THANKS </a:t>
+              <a:rPr lang="it-IT" dirty="0"/>
+              <a:t>USE – CASE  DIAGRAM:  A SKETCH</a:t>
             </a:r>
-            <a:br>
-              <a:rPr lang="it-IT" sz="3200" b="1" i="1" dirty="0"/>
-            </a:br>
-            <a:r>
-              <a:rPr lang="it-IT" sz="3200" b="1" i="1" dirty="0"/>
-              <a:t>FOR</a:t>
-            </a:r>
-            <a:br>
-              <a:rPr lang="it-IT" sz="3200" b="1" i="1" dirty="0"/>
-            </a:br>
-            <a:r>
-              <a:rPr lang="it-IT" sz="3200" b="1" i="1" dirty="0"/>
-              <a:t>LISTENING</a:t>
-            </a:r>
-            <a:endParaRPr lang="it-IT" b="1" dirty="0"/>
           </a:p>
         </p:txBody>
       </p:sp>
@@ -11239,7 +11341,7 @@
           <p:cNvPr id="5" name="Segnaposto numero diapositiva 4">
             <a:extLst>
               <a:ext uri="{FF2B5EF4-FFF2-40B4-BE49-F238E27FC236}">
-                <a16:creationId xmlns:a16="http://schemas.microsoft.com/office/drawing/2014/main" id="{6C4747E4-261C-4B9F-B390-1C2914B8AAE5}"/>
+                <a16:creationId xmlns:a16="http://schemas.microsoft.com/office/drawing/2014/main" id="{776E3581-EC84-4741-8D96-791314C954B5}"/>
               </a:ext>
             </a:extLst>
           </p:cNvPr>
@@ -11274,10 +11376,10 @@
       </p:sp>
       <p:pic>
         <p:nvPicPr>
-          <p:cNvPr id="6" name="Elemento grafico 6" descr="Segna Pollice su contorno">
+          <p:cNvPr id="6" name="Immagine 6">
             <a:extLst>
               <a:ext uri="{FF2B5EF4-FFF2-40B4-BE49-F238E27FC236}">
-                <a16:creationId xmlns:a16="http://schemas.microsoft.com/office/drawing/2014/main" id="{A799C577-F2A1-4906-B1D1-803139BE47F3}"/>
+                <a16:creationId xmlns:a16="http://schemas.microsoft.com/office/drawing/2014/main" id="{24C987A1-D634-40C0-98B0-2C9135EF938A}"/>
               </a:ext>
             </a:extLst>
           </p:cNvPr>
@@ -11286,22 +11388,15 @@
           </p:cNvPicPr>
           <p:nvPr/>
         </p:nvPicPr>
-        <p:blipFill>
-          <a:blip r:embed="rId2">
-            <a:extLst>
-              <a:ext uri="{96DAC541-7B7A-43D3-8B79-37D633B846F1}">
-                <asvg:svgBlip xmlns:asvg="http://schemas.microsoft.com/office/drawing/2016/SVG/main" r:embed="rId3"/>
-              </a:ext>
-            </a:extLst>
-          </a:blip>
-          <a:stretch>
-            <a:fillRect/>
-          </a:stretch>
+        <p:blipFill rotWithShape="1">
+          <a:blip r:embed="rId2"/>
+          <a:srcRect l="11574" t="21811" r="40509" b="20576"/>
+          <a:stretch/>
         </p:blipFill>
         <p:spPr>
           <a:xfrm>
-            <a:off x="4067827" y="3562872"/>
-            <a:ext cx="914400" cy="914400"/>
+            <a:off x="1744250" y="1037158"/>
+            <a:ext cx="5657958" cy="3816384"/>
           </a:xfrm>
           <a:prstGeom prst="rect">
             <a:avLst/>
@@ -11311,7 +11406,636 @@
     </p:spTree>
     <p:extLst>
       <p:ext uri="{BB962C8B-B14F-4D97-AF65-F5344CB8AC3E}">
-        <p14:creationId xmlns:p14="http://schemas.microsoft.com/office/powerpoint/2010/main" val="3381573304"/>
+        <p14:creationId xmlns:p14="http://schemas.microsoft.com/office/powerpoint/2010/main" val="2284455446"/>
+      </p:ext>
+    </p:extLst>
+  </p:cSld>
+  <p:clrMapOvr>
+    <a:masterClrMapping/>
+  </p:clrMapOvr>
+</p:sld>
+</file>
+
+<file path=ppt/slides/slide6.xml><?xml version="1.0" encoding="utf-8"?>
+<p:sld xmlns:a="http://schemas.openxmlformats.org/drawingml/2006/main" xmlns:r="http://schemas.openxmlformats.org/officeDocument/2006/relationships" xmlns:p="http://schemas.openxmlformats.org/presentationml/2006/main">
+  <p:cSld>
+    <p:spTree>
+      <p:nvGrpSpPr>
+        <p:cNvPr id="1" name=""/>
+        <p:cNvGrpSpPr/>
+        <p:nvPr/>
+      </p:nvGrpSpPr>
+      <p:grpSpPr>
+        <a:xfrm>
+          <a:off x="0" y="0"/>
+          <a:ext cx="0" cy="0"/>
+          <a:chOff x="0" y="0"/>
+          <a:chExt cx="0" cy="0"/>
+        </a:xfrm>
+      </p:grpSpPr>
+      <p:sp>
+        <p:nvSpPr>
+          <p:cNvPr id="2" name="Titolo 1">
+            <a:extLst>
+              <a:ext uri="{FF2B5EF4-FFF2-40B4-BE49-F238E27FC236}">
+                <a16:creationId xmlns:a16="http://schemas.microsoft.com/office/drawing/2014/main" id="{534EF410-9288-42B2-8B2B-AFAE640F37F5}"/>
+              </a:ext>
+            </a:extLst>
+          </p:cNvPr>
+          <p:cNvSpPr>
+            <a:spLocks noGrp="1"/>
+          </p:cNvSpPr>
+          <p:nvPr>
+            <p:ph type="title"/>
+          </p:nvPr>
+        </p:nvSpPr>
+        <p:spPr/>
+        <p:txBody>
+          <a:bodyPr/>
+          <a:lstStyle/>
+          <a:p>
+            <a:r>
+              <a:rPr lang="it-IT" dirty="0"/>
+              <a:t>CLASS - DIAGRAM:  OVERVIEW</a:t>
+            </a:r>
+          </a:p>
+        </p:txBody>
+      </p:sp>
+      <p:sp>
+        <p:nvSpPr>
+          <p:cNvPr id="5" name="Segnaposto numero diapositiva 4">
+            <a:extLst>
+              <a:ext uri="{FF2B5EF4-FFF2-40B4-BE49-F238E27FC236}">
+                <a16:creationId xmlns:a16="http://schemas.microsoft.com/office/drawing/2014/main" id="{9D70B9C0-9449-472B-945F-A29117E7F98B}"/>
+              </a:ext>
+            </a:extLst>
+          </p:cNvPr>
+          <p:cNvSpPr>
+            <a:spLocks noGrp="1"/>
+          </p:cNvSpPr>
+          <p:nvPr>
+            <p:ph type="sldNum" idx="12"/>
+          </p:nvPr>
+        </p:nvSpPr>
+        <p:spPr/>
+        <p:txBody>
+          <a:bodyPr/>
+          <a:lstStyle/>
+          <a:p>
+            <a:pPr marL="0" lvl="0" indent="0" algn="r" rtl="0">
+              <a:spcBef>
+                <a:spcPts val="0"/>
+              </a:spcBef>
+              <a:spcAft>
+                <a:spcPts val="0"/>
+              </a:spcAft>
+              <a:buNone/>
+            </a:pPr>
+            <a:fld id="{00000000-1234-1234-1234-123412341234}" type="slidenum">
+              <a:rPr lang="it-IT"/>
+              <a:t>6</a:t>
+            </a:fld>
+            <a:endParaRPr lang="it-IT"/>
+          </a:p>
+        </p:txBody>
+      </p:sp>
+      <p:pic>
+        <p:nvPicPr>
+          <p:cNvPr id="6" name="Immagine 6">
+            <a:extLst>
+              <a:ext uri="{FF2B5EF4-FFF2-40B4-BE49-F238E27FC236}">
+                <a16:creationId xmlns:a16="http://schemas.microsoft.com/office/drawing/2014/main" id="{6E544D7F-F4E9-458F-B8C5-E2A9B97F37FF}"/>
+              </a:ext>
+            </a:extLst>
+          </p:cNvPr>
+          <p:cNvPicPr>
+            <a:picLocks noChangeAspect="1"/>
+          </p:cNvPicPr>
+          <p:nvPr/>
+        </p:nvPicPr>
+        <p:blipFill rotWithShape="1">
+          <a:blip r:embed="rId2"/>
+          <a:srcRect l="14051" t="11496" r="26667" b="6417"/>
+          <a:stretch/>
+        </p:blipFill>
+        <p:spPr>
+          <a:xfrm>
+            <a:off x="1744013" y="1042497"/>
+            <a:ext cx="5656119" cy="3819523"/>
+          </a:xfrm>
+          <a:prstGeom prst="rect">
+            <a:avLst/>
+          </a:prstGeom>
+        </p:spPr>
+      </p:pic>
+    </p:spTree>
+    <p:extLst>
+      <p:ext uri="{BB962C8B-B14F-4D97-AF65-F5344CB8AC3E}">
+        <p14:creationId xmlns:p14="http://schemas.microsoft.com/office/powerpoint/2010/main" val="3450963893"/>
+      </p:ext>
+    </p:extLst>
+  </p:cSld>
+  <p:clrMapOvr>
+    <a:masterClrMapping/>
+  </p:clrMapOvr>
+</p:sld>
+</file>
+
+<file path=ppt/slides/slide7.xml><?xml version="1.0" encoding="utf-8"?>
+<p:sld xmlns:a="http://schemas.openxmlformats.org/drawingml/2006/main" xmlns:r="http://schemas.openxmlformats.org/officeDocument/2006/relationships" xmlns:p="http://schemas.openxmlformats.org/presentationml/2006/main">
+  <p:cSld>
+    <p:spTree>
+      <p:nvGrpSpPr>
+        <p:cNvPr id="1" name=""/>
+        <p:cNvGrpSpPr/>
+        <p:nvPr/>
+      </p:nvGrpSpPr>
+      <p:grpSpPr>
+        <a:xfrm>
+          <a:off x="0" y="0"/>
+          <a:ext cx="0" cy="0"/>
+          <a:chOff x="0" y="0"/>
+          <a:chExt cx="0" cy="0"/>
+        </a:xfrm>
+      </p:grpSpPr>
+      <p:sp>
+        <p:nvSpPr>
+          <p:cNvPr id="2" name="Titolo 1">
+            <a:extLst>
+              <a:ext uri="{FF2B5EF4-FFF2-40B4-BE49-F238E27FC236}">
+                <a16:creationId xmlns:a16="http://schemas.microsoft.com/office/drawing/2014/main" id="{200F6CE8-13A0-4B30-A6F3-D77B8860BE3B}"/>
+              </a:ext>
+            </a:extLst>
+          </p:cNvPr>
+          <p:cNvSpPr>
+            <a:spLocks noGrp="1"/>
+          </p:cNvSpPr>
+          <p:nvPr>
+            <p:ph type="title"/>
+          </p:nvPr>
+        </p:nvSpPr>
+        <p:spPr/>
+        <p:txBody>
+          <a:bodyPr>
+            <a:normAutofit fontScale="90000"/>
+          </a:bodyPr>
+          <a:lstStyle/>
+          <a:p>
+            <a:r>
+              <a:rPr lang="it-IT" dirty="0"/>
+              <a:t>SEQUENCE DIAGRAMS:  DEEP IN DETAILS....</a:t>
+            </a:r>
+            <a:br>
+              <a:rPr lang="it-IT" dirty="0"/>
+            </a:br>
+            <a:br>
+              <a:rPr lang="it-IT" i="1" dirty="0"/>
+            </a:br>
+            <a:r>
+              <a:rPr lang="it-IT" i="1" dirty="0"/>
+              <a:t>Data </a:t>
+            </a:r>
+            <a:r>
+              <a:rPr lang="it-IT" i="1" dirty="0" err="1"/>
+              <a:t>Aggregation</a:t>
+            </a:r>
+            <a:endParaRPr lang="it-IT"/>
+          </a:p>
+        </p:txBody>
+      </p:sp>
+      <p:sp>
+        <p:nvSpPr>
+          <p:cNvPr id="5" name="Segnaposto numero diapositiva 4">
+            <a:extLst>
+              <a:ext uri="{FF2B5EF4-FFF2-40B4-BE49-F238E27FC236}">
+                <a16:creationId xmlns:a16="http://schemas.microsoft.com/office/drawing/2014/main" id="{7E60A84C-1EB0-4DDE-BBD7-85A0CEBA58FF}"/>
+              </a:ext>
+            </a:extLst>
+          </p:cNvPr>
+          <p:cNvSpPr>
+            <a:spLocks noGrp="1"/>
+          </p:cNvSpPr>
+          <p:nvPr>
+            <p:ph type="sldNum" idx="12"/>
+          </p:nvPr>
+        </p:nvSpPr>
+        <p:spPr/>
+        <p:txBody>
+          <a:bodyPr/>
+          <a:lstStyle/>
+          <a:p>
+            <a:pPr marL="0" lvl="0" indent="0" algn="r" rtl="0">
+              <a:spcBef>
+                <a:spcPts val="0"/>
+              </a:spcBef>
+              <a:spcAft>
+                <a:spcPts val="0"/>
+              </a:spcAft>
+              <a:buNone/>
+            </a:pPr>
+            <a:fld id="{00000000-1234-1234-1234-123412341234}" type="slidenum">
+              <a:rPr lang="it-IT"/>
+              <a:t>7</a:t>
+            </a:fld>
+            <a:endParaRPr lang="it-IT"/>
+          </a:p>
+        </p:txBody>
+      </p:sp>
+      <p:pic>
+        <p:nvPicPr>
+          <p:cNvPr id="10" name="Immagine 10" descr="Immagine che contiene tavolo&#10;&#10;Descrizione generata automaticamente">
+            <a:extLst>
+              <a:ext uri="{FF2B5EF4-FFF2-40B4-BE49-F238E27FC236}">
+                <a16:creationId xmlns:a16="http://schemas.microsoft.com/office/drawing/2014/main" id="{9FB3C94E-0AE3-409E-9E08-1D275224C992}"/>
+              </a:ext>
+            </a:extLst>
+          </p:cNvPr>
+          <p:cNvPicPr>
+            <a:picLocks noChangeAspect="1"/>
+          </p:cNvPicPr>
+          <p:nvPr/>
+        </p:nvPicPr>
+        <p:blipFill rotWithShape="1">
+          <a:blip r:embed="rId2"/>
+          <a:srcRect l="16077" t="11179" r="6842" b="25610"/>
+          <a:stretch/>
+        </p:blipFill>
+        <p:spPr>
+          <a:xfrm>
+            <a:off x="1406782" y="1674490"/>
+            <a:ext cx="6807409" cy="3134887"/>
+          </a:xfrm>
+          <a:prstGeom prst="rect">
+            <a:avLst/>
+          </a:prstGeom>
+        </p:spPr>
+      </p:pic>
+    </p:spTree>
+    <p:extLst>
+      <p:ext uri="{BB962C8B-B14F-4D97-AF65-F5344CB8AC3E}">
+        <p14:creationId xmlns:p14="http://schemas.microsoft.com/office/powerpoint/2010/main" val="158903142"/>
+      </p:ext>
+    </p:extLst>
+  </p:cSld>
+  <p:clrMapOvr>
+    <a:masterClrMapping/>
+  </p:clrMapOvr>
+</p:sld>
+</file>
+
+<file path=ppt/slides/slide8.xml><?xml version="1.0" encoding="utf-8"?>
+<p:sld xmlns:a="http://schemas.openxmlformats.org/drawingml/2006/main" xmlns:r="http://schemas.openxmlformats.org/officeDocument/2006/relationships" xmlns:p="http://schemas.openxmlformats.org/presentationml/2006/main">
+  <p:cSld>
+    <p:spTree>
+      <p:nvGrpSpPr>
+        <p:cNvPr id="1" name=""/>
+        <p:cNvGrpSpPr/>
+        <p:nvPr/>
+      </p:nvGrpSpPr>
+      <p:grpSpPr>
+        <a:xfrm>
+          <a:off x="0" y="0"/>
+          <a:ext cx="0" cy="0"/>
+          <a:chOff x="0" y="0"/>
+          <a:chExt cx="0" cy="0"/>
+        </a:xfrm>
+      </p:grpSpPr>
+      <p:sp>
+        <p:nvSpPr>
+          <p:cNvPr id="2" name="Titolo 1">
+            <a:extLst>
+              <a:ext uri="{FF2B5EF4-FFF2-40B4-BE49-F238E27FC236}">
+                <a16:creationId xmlns:a16="http://schemas.microsoft.com/office/drawing/2014/main" id="{C9F9869E-8C20-433C-BD53-AD896BDCE212}"/>
+              </a:ext>
+            </a:extLst>
+          </p:cNvPr>
+          <p:cNvSpPr>
+            <a:spLocks noGrp="1"/>
+          </p:cNvSpPr>
+          <p:nvPr>
+            <p:ph type="title"/>
+          </p:nvPr>
+        </p:nvSpPr>
+        <p:spPr/>
+        <p:txBody>
+          <a:bodyPr>
+            <a:normAutofit fontScale="90000"/>
+          </a:bodyPr>
+          <a:lstStyle/>
+          <a:p>
+            <a:r>
+              <a:rPr lang="it-IT" dirty="0"/>
+              <a:t>SEQUENCE DIAGRAMS:  DEEP IN DETAILS....</a:t>
+            </a:r>
+            <a:br>
+              <a:rPr lang="it-IT" dirty="0"/>
+            </a:br>
+            <a:br>
+              <a:rPr lang="it-IT" dirty="0"/>
+            </a:br>
+            <a:r>
+              <a:rPr lang="it-IT" i="1" dirty="0" err="1"/>
+              <a:t>Sensors</a:t>
+            </a:r>
+            <a:r>
+              <a:rPr lang="it-IT" i="1" dirty="0"/>
+              <a:t> </a:t>
+            </a:r>
+            <a:r>
+              <a:rPr lang="it-IT" i="1" dirty="0" err="1"/>
+              <a:t>Similarity</a:t>
+            </a:r>
+            <a:r>
+              <a:rPr lang="it-IT" i="1" dirty="0"/>
+              <a:t>                             AQI index</a:t>
+            </a:r>
+            <a:endParaRPr lang="it-IT"/>
+          </a:p>
+        </p:txBody>
+      </p:sp>
+      <p:sp>
+        <p:nvSpPr>
+          <p:cNvPr id="5" name="Segnaposto numero diapositiva 4">
+            <a:extLst>
+              <a:ext uri="{FF2B5EF4-FFF2-40B4-BE49-F238E27FC236}">
+                <a16:creationId xmlns:a16="http://schemas.microsoft.com/office/drawing/2014/main" id="{206F5303-A3A3-4066-933F-CDB1D7C3F20E}"/>
+              </a:ext>
+            </a:extLst>
+          </p:cNvPr>
+          <p:cNvSpPr>
+            <a:spLocks noGrp="1"/>
+          </p:cNvSpPr>
+          <p:nvPr>
+            <p:ph type="sldNum" idx="12"/>
+          </p:nvPr>
+        </p:nvSpPr>
+        <p:spPr/>
+        <p:txBody>
+          <a:bodyPr/>
+          <a:lstStyle/>
+          <a:p>
+            <a:pPr marL="0" lvl="0" indent="0" algn="r" rtl="0">
+              <a:spcBef>
+                <a:spcPts val="0"/>
+              </a:spcBef>
+              <a:spcAft>
+                <a:spcPts val="0"/>
+              </a:spcAft>
+              <a:buNone/>
+            </a:pPr>
+            <a:fld id="{00000000-1234-1234-1234-123412341234}" type="slidenum">
+              <a:rPr lang="it-IT"/>
+              <a:t>8</a:t>
+            </a:fld>
+            <a:endParaRPr lang="it-IT"/>
+          </a:p>
+        </p:txBody>
+      </p:sp>
+      <p:pic>
+        <p:nvPicPr>
+          <p:cNvPr id="3" name="Immagine 3">
+            <a:extLst>
+              <a:ext uri="{FF2B5EF4-FFF2-40B4-BE49-F238E27FC236}">
+                <a16:creationId xmlns:a16="http://schemas.microsoft.com/office/drawing/2014/main" id="{D9337033-E7C2-41E1-8A06-100C637088FE}"/>
+              </a:ext>
+            </a:extLst>
+          </p:cNvPr>
+          <p:cNvPicPr>
+            <a:picLocks noChangeAspect="1"/>
+          </p:cNvPicPr>
+          <p:nvPr/>
+        </p:nvPicPr>
+        <p:blipFill rotWithShape="1">
+          <a:blip r:embed="rId2"/>
+          <a:srcRect l="12616" t="10784" r="29685" b="27778"/>
+          <a:stretch/>
+        </p:blipFill>
+        <p:spPr>
+          <a:xfrm>
+            <a:off x="4681105" y="1722293"/>
+            <a:ext cx="4077435" cy="2879224"/>
+          </a:xfrm>
+          <a:prstGeom prst="rect">
+            <a:avLst/>
+          </a:prstGeom>
+        </p:spPr>
+      </p:pic>
+      <p:pic>
+        <p:nvPicPr>
+          <p:cNvPr id="4" name="Immagine 5">
+            <a:extLst>
+              <a:ext uri="{FF2B5EF4-FFF2-40B4-BE49-F238E27FC236}">
+                <a16:creationId xmlns:a16="http://schemas.microsoft.com/office/drawing/2014/main" id="{0D015466-28B4-49B9-B341-FE8AB4A2630B}"/>
+              </a:ext>
+            </a:extLst>
+          </p:cNvPr>
+          <p:cNvPicPr>
+            <a:picLocks noChangeAspect="1"/>
+          </p:cNvPicPr>
+          <p:nvPr/>
+        </p:nvPicPr>
+        <p:blipFill rotWithShape="1">
+          <a:blip r:embed="rId3"/>
+          <a:srcRect l="12560" t="11143" r="20129" b="26000"/>
+          <a:stretch/>
+        </p:blipFill>
+        <p:spPr>
+          <a:xfrm>
+            <a:off x="290946" y="1722294"/>
+            <a:ext cx="4155204" cy="2879123"/>
+          </a:xfrm>
+          <a:prstGeom prst="rect">
+            <a:avLst/>
+          </a:prstGeom>
+        </p:spPr>
+      </p:pic>
+    </p:spTree>
+    <p:extLst>
+      <p:ext uri="{BB962C8B-B14F-4D97-AF65-F5344CB8AC3E}">
+        <p14:creationId xmlns:p14="http://schemas.microsoft.com/office/powerpoint/2010/main" val="1365218053"/>
+      </p:ext>
+    </p:extLst>
+  </p:cSld>
+  <p:clrMapOvr>
+    <a:masterClrMapping/>
+  </p:clrMapOvr>
+</p:sld>
+</file>
+
+<file path=ppt/slides/slide9.xml><?xml version="1.0" encoding="utf-8"?>
+<p:sld xmlns:a="http://schemas.openxmlformats.org/drawingml/2006/main" xmlns:r="http://schemas.openxmlformats.org/officeDocument/2006/relationships" xmlns:p="http://schemas.openxmlformats.org/presentationml/2006/main">
+  <p:cSld>
+    <p:spTree>
+      <p:nvGrpSpPr>
+        <p:cNvPr id="1" name=""/>
+        <p:cNvGrpSpPr/>
+        <p:nvPr/>
+      </p:nvGrpSpPr>
+      <p:grpSpPr>
+        <a:xfrm>
+          <a:off x="0" y="0"/>
+          <a:ext cx="0" cy="0"/>
+          <a:chOff x="0" y="0"/>
+          <a:chExt cx="0" cy="0"/>
+        </a:xfrm>
+      </p:grpSpPr>
+      <p:sp>
+        <p:nvSpPr>
+          <p:cNvPr id="2" name="Titolo 1">
+            <a:extLst>
+              <a:ext uri="{FF2B5EF4-FFF2-40B4-BE49-F238E27FC236}">
+                <a16:creationId xmlns:a16="http://schemas.microsoft.com/office/drawing/2014/main" id="{25E1EBE3-8D7C-4039-8684-B81B2145A0C1}"/>
+              </a:ext>
+            </a:extLst>
+          </p:cNvPr>
+          <p:cNvSpPr>
+            <a:spLocks noGrp="1"/>
+          </p:cNvSpPr>
+          <p:nvPr>
+            <p:ph type="title"/>
+          </p:nvPr>
+        </p:nvSpPr>
+        <p:spPr/>
+        <p:txBody>
+          <a:bodyPr>
+            <a:normAutofit fontScale="90000"/>
+          </a:bodyPr>
+          <a:lstStyle/>
+          <a:p>
+            <a:r>
+              <a:rPr lang="it-IT" dirty="0"/>
+              <a:t>SEQUENCE DIAGRAMS:  DEEP IN DETAILS....</a:t>
+            </a:r>
+            <a:br>
+              <a:rPr lang="it-IT" dirty="0"/>
+            </a:br>
+            <a:br>
+              <a:rPr lang="it-IT" dirty="0"/>
+            </a:br>
+            <a:r>
+              <a:rPr lang="it-IT" i="1" dirty="0" err="1"/>
+              <a:t>Pollutants</a:t>
+            </a:r>
+            <a:r>
+              <a:rPr lang="it-IT" i="1" dirty="0"/>
+              <a:t> </a:t>
+            </a:r>
+            <a:r>
+              <a:rPr lang="it-IT" i="1" dirty="0" err="1"/>
+              <a:t>Eval</a:t>
+            </a:r>
+            <a:r>
+              <a:rPr lang="it-IT" i="1" dirty="0"/>
+              <a:t>.                       Location </a:t>
+            </a:r>
+            <a:r>
+              <a:rPr lang="it-IT" i="1" dirty="0" err="1"/>
+              <a:t>Comparison</a:t>
+            </a:r>
+            <a:endParaRPr lang="it-IT" i="1" dirty="0"/>
+          </a:p>
+        </p:txBody>
+      </p:sp>
+      <p:sp>
+        <p:nvSpPr>
+          <p:cNvPr id="5" name="Segnaposto numero diapositiva 4">
+            <a:extLst>
+              <a:ext uri="{FF2B5EF4-FFF2-40B4-BE49-F238E27FC236}">
+                <a16:creationId xmlns:a16="http://schemas.microsoft.com/office/drawing/2014/main" id="{578F2DE0-7C4B-4FC7-B088-FD0617AC889C}"/>
+              </a:ext>
+            </a:extLst>
+          </p:cNvPr>
+          <p:cNvSpPr>
+            <a:spLocks noGrp="1"/>
+          </p:cNvSpPr>
+          <p:nvPr>
+            <p:ph type="sldNum" idx="12"/>
+          </p:nvPr>
+        </p:nvSpPr>
+        <p:spPr/>
+        <p:txBody>
+          <a:bodyPr/>
+          <a:lstStyle/>
+          <a:p>
+            <a:pPr marL="0" lvl="0" indent="0" algn="r" rtl="0">
+              <a:spcBef>
+                <a:spcPts val="0"/>
+              </a:spcBef>
+              <a:spcAft>
+                <a:spcPts val="0"/>
+              </a:spcAft>
+              <a:buNone/>
+            </a:pPr>
+            <a:fld id="{00000000-1234-1234-1234-123412341234}" type="slidenum">
+              <a:rPr lang="it-IT"/>
+              <a:t>9</a:t>
+            </a:fld>
+            <a:endParaRPr lang="it-IT"/>
+          </a:p>
+        </p:txBody>
+      </p:sp>
+      <p:pic>
+        <p:nvPicPr>
+          <p:cNvPr id="6" name="Immagine 6">
+            <a:extLst>
+              <a:ext uri="{FF2B5EF4-FFF2-40B4-BE49-F238E27FC236}">
+                <a16:creationId xmlns:a16="http://schemas.microsoft.com/office/drawing/2014/main" id="{34DEA80B-2F22-4737-B703-127DAFC0F040}"/>
+              </a:ext>
+            </a:extLst>
+          </p:cNvPr>
+          <p:cNvPicPr>
+            <a:picLocks noChangeAspect="1"/>
+          </p:cNvPicPr>
+          <p:nvPr/>
+        </p:nvPicPr>
+        <p:blipFill rotWithShape="1">
+          <a:blip r:embed="rId2"/>
+          <a:srcRect l="13626" t="12038" r="31410" b="30971"/>
+          <a:stretch/>
+        </p:blipFill>
+        <p:spPr>
+          <a:xfrm>
+            <a:off x="275896" y="1720866"/>
+            <a:ext cx="4191044" cy="2883493"/>
+          </a:xfrm>
+          <a:prstGeom prst="rect">
+            <a:avLst/>
+          </a:prstGeom>
+        </p:spPr>
+      </p:pic>
+      <p:pic>
+        <p:nvPicPr>
+          <p:cNvPr id="7" name="Immagine 7">
+            <a:extLst>
+              <a:ext uri="{FF2B5EF4-FFF2-40B4-BE49-F238E27FC236}">
+                <a16:creationId xmlns:a16="http://schemas.microsoft.com/office/drawing/2014/main" id="{8CF4FD92-393E-4686-9049-99E19FA1C1C0}"/>
+              </a:ext>
+            </a:extLst>
+          </p:cNvPr>
+          <p:cNvPicPr>
+            <a:picLocks noChangeAspect="1"/>
+          </p:cNvPicPr>
+          <p:nvPr/>
+        </p:nvPicPr>
+        <p:blipFill rotWithShape="1">
+          <a:blip r:embed="rId3"/>
+          <a:srcRect l="12184" t="11020" r="19885" b="30000"/>
+          <a:stretch/>
+        </p:blipFill>
+        <p:spPr>
+          <a:xfrm>
+            <a:off x="4682772" y="1717898"/>
+            <a:ext cx="4123143" cy="2879982"/>
+          </a:xfrm>
+          <a:prstGeom prst="rect">
+            <a:avLst/>
+          </a:prstGeom>
+        </p:spPr>
+      </p:pic>
+    </p:spTree>
+    <p:extLst>
+      <p:ext uri="{BB962C8B-B14F-4D97-AF65-F5344CB8AC3E}">
+        <p14:creationId xmlns:p14="http://schemas.microsoft.com/office/powerpoint/2010/main" val="1319221603"/>
       </p:ext>
     </p:extLst>
   </p:cSld>

--- a/presentation.pptx
+++ b/presentation.pptx
@@ -11926,7 +11926,7 @@
             </a:r>
             <a:r>
               <a:rPr lang="it-IT" i="1" dirty="0"/>
-              <a:t>.                       Location </a:t>
+              <a:t>.                               Location </a:t>
             </a:r>
             <a:r>
               <a:rPr lang="it-IT" i="1" dirty="0" err="1"/>
@@ -11995,7 +11995,7 @@
         </p:blipFill>
         <p:spPr>
           <a:xfrm>
-            <a:off x="275896" y="1720866"/>
+            <a:off x="338085" y="1866257"/>
             <a:ext cx="4191044" cy="2883493"/>
           </a:xfrm>
           <a:prstGeom prst="rect">
@@ -12024,7 +12024,7 @@
         </p:blipFill>
         <p:spPr>
           <a:xfrm>
-            <a:off x="4682772" y="1717898"/>
+            <a:off x="4682772" y="1866257"/>
             <a:ext cx="4123143" cy="2879982"/>
           </a:xfrm>
           <a:prstGeom prst="rect">

--- a/presentation.pptx
+++ b/presentation.pptx
@@ -11376,10 +11376,10 @@
       </p:sp>
       <p:pic>
         <p:nvPicPr>
-          <p:cNvPr id="6" name="Immagine 6">
+          <p:cNvPr id="4" name="Immagine 3">
             <a:extLst>
               <a:ext uri="{FF2B5EF4-FFF2-40B4-BE49-F238E27FC236}">
-                <a16:creationId xmlns:a16="http://schemas.microsoft.com/office/drawing/2014/main" id="{24C987A1-D634-40C0-98B0-2C9135EF938A}"/>
+                <a16:creationId xmlns:a16="http://schemas.microsoft.com/office/drawing/2014/main" id="{71C10FEA-DABD-4CDC-8C40-E660C85AB5DC}"/>
               </a:ext>
             </a:extLst>
           </p:cNvPr>
@@ -11388,15 +11388,16 @@
           </p:cNvPicPr>
           <p:nvPr/>
         </p:nvPicPr>
-        <p:blipFill rotWithShape="1">
+        <p:blipFill>
           <a:blip r:embed="rId2"/>
-          <a:srcRect l="11574" t="21811" r="40509" b="20576"/>
-          <a:stretch/>
+          <a:stretch>
+            <a:fillRect/>
+          </a:stretch>
         </p:blipFill>
         <p:spPr>
           <a:xfrm>
-            <a:off x="1744250" y="1037158"/>
-            <a:ext cx="5657958" cy="3816384"/>
+            <a:off x="1660214" y="1196898"/>
+            <a:ext cx="5823572" cy="3681910"/>
           </a:xfrm>
           <a:prstGeom prst="rect">
             <a:avLst/>
@@ -11501,10 +11502,10 @@
       </p:sp>
       <p:pic>
         <p:nvPicPr>
-          <p:cNvPr id="6" name="Immagine 6">
+          <p:cNvPr id="6" name="Immagine 5">
             <a:extLst>
               <a:ext uri="{FF2B5EF4-FFF2-40B4-BE49-F238E27FC236}">
-                <a16:creationId xmlns:a16="http://schemas.microsoft.com/office/drawing/2014/main" id="{6E544D7F-F4E9-458F-B8C5-E2A9B97F37FF}"/>
+                <a16:creationId xmlns:a16="http://schemas.microsoft.com/office/drawing/2014/main" id="{BFF30726-FD93-4DA5-9EC0-6295D97B590C}"/>
               </a:ext>
             </a:extLst>
           </p:cNvPr>
@@ -11513,15 +11514,16 @@
           </p:cNvPicPr>
           <p:nvPr/>
         </p:nvPicPr>
-        <p:blipFill rotWithShape="1">
+        <p:blipFill>
           <a:blip r:embed="rId2"/>
-          <a:srcRect l="14051" t="11496" r="26667" b="6417"/>
-          <a:stretch/>
+          <a:stretch>
+            <a:fillRect/>
+          </a:stretch>
         </p:blipFill>
         <p:spPr>
           <a:xfrm>
-            <a:off x="1744013" y="1042497"/>
-            <a:ext cx="5656119" cy="3819523"/>
+            <a:off x="1484146" y="1138419"/>
+            <a:ext cx="6175708" cy="3695251"/>
           </a:xfrm>
           <a:prstGeom prst="rect">
             <a:avLst/>
@@ -11643,10 +11645,10 @@
       </p:sp>
       <p:pic>
         <p:nvPicPr>
-          <p:cNvPr id="10" name="Immagine 10" descr="Immagine che contiene tavolo&#10;&#10;Descrizione generata automaticamente">
+          <p:cNvPr id="7" name="Immagine 6">
             <a:extLst>
               <a:ext uri="{FF2B5EF4-FFF2-40B4-BE49-F238E27FC236}">
-                <a16:creationId xmlns:a16="http://schemas.microsoft.com/office/drawing/2014/main" id="{9FB3C94E-0AE3-409E-9E08-1D275224C992}"/>
+                <a16:creationId xmlns:a16="http://schemas.microsoft.com/office/drawing/2014/main" id="{BB857B9B-3254-4E8F-9C67-AA32194E79F7}"/>
               </a:ext>
             </a:extLst>
           </p:cNvPr>
@@ -11655,15 +11657,16 @@
           </p:cNvPicPr>
           <p:nvPr/>
         </p:nvPicPr>
-        <p:blipFill rotWithShape="1">
+        <p:blipFill>
           <a:blip r:embed="rId2"/>
-          <a:srcRect l="16077" t="11179" r="6842" b="25610"/>
-          <a:stretch/>
+          <a:stretch>
+            <a:fillRect/>
+          </a:stretch>
         </p:blipFill>
         <p:spPr>
           <a:xfrm>
-            <a:off x="1406782" y="1674490"/>
-            <a:ext cx="6807409" cy="3134887"/>
+            <a:off x="927409" y="1533110"/>
+            <a:ext cx="7289181" cy="3389893"/>
           </a:xfrm>
           <a:prstGeom prst="rect">
             <a:avLst/>
@@ -11793,10 +11796,10 @@
       </p:sp>
       <p:pic>
         <p:nvPicPr>
-          <p:cNvPr id="3" name="Immagine 3">
+          <p:cNvPr id="7" name="Immagine 6">
             <a:extLst>
               <a:ext uri="{FF2B5EF4-FFF2-40B4-BE49-F238E27FC236}">
-                <a16:creationId xmlns:a16="http://schemas.microsoft.com/office/drawing/2014/main" id="{D9337033-E7C2-41E1-8A06-100C637088FE}"/>
+                <a16:creationId xmlns:a16="http://schemas.microsoft.com/office/drawing/2014/main" id="{21C80CA8-B52D-4D80-AE1E-69344D7273BD}"/>
               </a:ext>
             </a:extLst>
           </p:cNvPr>
@@ -11805,15 +11808,16 @@
           </p:cNvPicPr>
           <p:nvPr/>
         </p:nvPicPr>
-        <p:blipFill rotWithShape="1">
+        <p:blipFill>
           <a:blip r:embed="rId2"/>
-          <a:srcRect l="12616" t="10784" r="29685" b="27778"/>
-          <a:stretch/>
+          <a:stretch>
+            <a:fillRect/>
+          </a:stretch>
         </p:blipFill>
         <p:spPr>
           <a:xfrm>
-            <a:off x="4681105" y="1722293"/>
-            <a:ext cx="4077435" cy="2879224"/>
+            <a:off x="4854498" y="1741107"/>
+            <a:ext cx="4166660" cy="2891517"/>
           </a:xfrm>
           <a:prstGeom prst="rect">
             <a:avLst/>
@@ -11822,10 +11826,10 @@
       </p:pic>
       <p:pic>
         <p:nvPicPr>
-          <p:cNvPr id="4" name="Immagine 5">
+          <p:cNvPr id="9" name="Immagine 8">
             <a:extLst>
               <a:ext uri="{FF2B5EF4-FFF2-40B4-BE49-F238E27FC236}">
-                <a16:creationId xmlns:a16="http://schemas.microsoft.com/office/drawing/2014/main" id="{0D015466-28B4-49B9-B341-FE8AB4A2630B}"/>
+                <a16:creationId xmlns:a16="http://schemas.microsoft.com/office/drawing/2014/main" id="{E43E9FC2-5D2F-498F-B1E1-BB24F75BDCE0}"/>
               </a:ext>
             </a:extLst>
           </p:cNvPr>
@@ -11834,15 +11838,16 @@
           </p:cNvPicPr>
           <p:nvPr/>
         </p:nvPicPr>
-        <p:blipFill rotWithShape="1">
+        <p:blipFill>
           <a:blip r:embed="rId3"/>
-          <a:srcRect l="12560" t="11143" r="20129" b="26000"/>
-          <a:stretch/>
+          <a:stretch>
+            <a:fillRect/>
+          </a:stretch>
         </p:blipFill>
         <p:spPr>
           <a:xfrm>
-            <a:off x="290946" y="1722294"/>
-            <a:ext cx="4155204" cy="2879123"/>
+            <a:off x="122842" y="1744738"/>
+            <a:ext cx="4324373" cy="2887886"/>
           </a:xfrm>
           <a:prstGeom prst="rect">
             <a:avLst/>
@@ -11976,10 +11981,10 @@
       </p:sp>
       <p:pic>
         <p:nvPicPr>
-          <p:cNvPr id="6" name="Immagine 6">
+          <p:cNvPr id="4" name="Immagine 3">
             <a:extLst>
               <a:ext uri="{FF2B5EF4-FFF2-40B4-BE49-F238E27FC236}">
-                <a16:creationId xmlns:a16="http://schemas.microsoft.com/office/drawing/2014/main" id="{34DEA80B-2F22-4737-B703-127DAFC0F040}"/>
+                <a16:creationId xmlns:a16="http://schemas.microsoft.com/office/drawing/2014/main" id="{6655E03A-402A-47FA-948A-013C3AABDCCF}"/>
               </a:ext>
             </a:extLst>
           </p:cNvPr>
@@ -11988,15 +11993,16 @@
           </p:cNvPicPr>
           <p:nvPr/>
         </p:nvPicPr>
-        <p:blipFill rotWithShape="1">
+        <p:blipFill>
           <a:blip r:embed="rId2"/>
-          <a:srcRect l="13626" t="12038" r="31410" b="30971"/>
-          <a:stretch/>
+          <a:stretch>
+            <a:fillRect/>
+          </a:stretch>
         </p:blipFill>
         <p:spPr>
           <a:xfrm>
-            <a:off x="338085" y="1866257"/>
-            <a:ext cx="4191044" cy="2883493"/>
+            <a:off x="78206" y="1898068"/>
+            <a:ext cx="4493794" cy="2960794"/>
           </a:xfrm>
           <a:prstGeom prst="rect">
             <a:avLst/>
@@ -12005,10 +12011,10 @@
       </p:pic>
       <p:pic>
         <p:nvPicPr>
-          <p:cNvPr id="7" name="Immagine 7">
+          <p:cNvPr id="9" name="Immagine 8">
             <a:extLst>
               <a:ext uri="{FF2B5EF4-FFF2-40B4-BE49-F238E27FC236}">
-                <a16:creationId xmlns:a16="http://schemas.microsoft.com/office/drawing/2014/main" id="{8CF4FD92-393E-4686-9049-99E19FA1C1C0}"/>
+                <a16:creationId xmlns:a16="http://schemas.microsoft.com/office/drawing/2014/main" id="{CC3D4CC9-DB6C-45C9-A527-ABB7951A9675}"/>
               </a:ext>
             </a:extLst>
           </p:cNvPr>
@@ -12017,15 +12023,16 @@
           </p:cNvPicPr>
           <p:nvPr/>
         </p:nvPicPr>
-        <p:blipFill rotWithShape="1">
+        <p:blipFill>
           <a:blip r:embed="rId3"/>
-          <a:srcRect l="12184" t="11020" r="19885" b="30000"/>
-          <a:stretch/>
+          <a:stretch>
+            <a:fillRect/>
+          </a:stretch>
         </p:blipFill>
         <p:spPr>
           <a:xfrm>
-            <a:off x="4682772" y="1866257"/>
-            <a:ext cx="4123143" cy="2879982"/>
+            <a:off x="4733540" y="1898068"/>
+            <a:ext cx="4287618" cy="2960794"/>
           </a:xfrm>
           <a:prstGeom prst="rect">
             <a:avLst/>

--- a/presentation.pptx
+++ b/presentation.pptx
@@ -5,40 +5,41 @@
     <p:sldMasterId id="2147483659" r:id="rId1"/>
   </p:sldMasterIdLst>
   <p:notesMasterIdLst>
-    <p:notesMasterId r:id="rId12"/>
+    <p:notesMasterId r:id="rId13"/>
   </p:notesMasterIdLst>
   <p:sldIdLst>
     <p:sldId id="256" r:id="rId2"/>
     <p:sldId id="257" r:id="rId3"/>
     <p:sldId id="266" r:id="rId4"/>
     <p:sldId id="258" r:id="rId5"/>
-    <p:sldId id="268" r:id="rId6"/>
-    <p:sldId id="269" r:id="rId7"/>
-    <p:sldId id="270" r:id="rId8"/>
-    <p:sldId id="271" r:id="rId9"/>
-    <p:sldId id="272" r:id="rId10"/>
-    <p:sldId id="267" r:id="rId11"/>
+    <p:sldId id="273" r:id="rId6"/>
+    <p:sldId id="268" r:id="rId7"/>
+    <p:sldId id="269" r:id="rId8"/>
+    <p:sldId id="270" r:id="rId9"/>
+    <p:sldId id="271" r:id="rId10"/>
+    <p:sldId id="272" r:id="rId11"/>
+    <p:sldId id="267" r:id="rId12"/>
   </p:sldIdLst>
   <p:sldSz cx="9144000" cy="5143500" type="screen16x9"/>
   <p:notesSz cx="6858000" cy="9144000"/>
   <p:embeddedFontLst>
     <p:embeddedFont>
       <p:font typeface="Lato" panose="020F0502020204030203" pitchFamily="34" charset="0"/>
-      <p:regular r:id="rId13"/>
-      <p:bold r:id="rId14"/>
-      <p:italic r:id="rId15"/>
-      <p:boldItalic r:id="rId16"/>
+      <p:regular r:id="rId14"/>
+      <p:bold r:id="rId15"/>
+      <p:italic r:id="rId16"/>
+      <p:boldItalic r:id="rId17"/>
     </p:embeddedFont>
     <p:embeddedFont>
       <p:font typeface="Montserrat" panose="00000500000000000000" pitchFamily="2" charset="0"/>
-      <p:regular r:id="rId17"/>
-      <p:bold r:id="rId18"/>
-      <p:italic r:id="rId19"/>
-      <p:boldItalic r:id="rId20"/>
+      <p:regular r:id="rId18"/>
+      <p:bold r:id="rId19"/>
+      <p:italic r:id="rId20"/>
+      <p:boldItalic r:id="rId21"/>
     </p:embeddedFont>
     <p:embeddedFont>
       <p:font typeface="Staatliches" panose="020B0604020202020204" charset="0"/>
-      <p:regular r:id="rId21"/>
+      <p:regular r:id="rId22"/>
     </p:embeddedFont>
   </p:embeddedFontLst>
   <p:defaultTextStyle>
@@ -9357,6 +9358,36 @@
           </a:p>
         </p:txBody>
       </p:sp>
+      <p:pic>
+        <p:nvPicPr>
+          <p:cNvPr id="4" name="Immagine 3">
+            <a:extLst>
+              <a:ext uri="{FF2B5EF4-FFF2-40B4-BE49-F238E27FC236}">
+                <a16:creationId xmlns:a16="http://schemas.microsoft.com/office/drawing/2014/main" id="{C07E3443-1CF4-4C0F-BFDF-A2E62FB6118F}"/>
+              </a:ext>
+            </a:extLst>
+          </p:cNvPr>
+          <p:cNvPicPr>
+            <a:picLocks noChangeAspect="1"/>
+          </p:cNvPicPr>
+          <p:nvPr/>
+        </p:nvPicPr>
+        <p:blipFill>
+          <a:blip r:embed="rId3"/>
+          <a:stretch>
+            <a:fillRect/>
+          </a:stretch>
+        </p:blipFill>
+        <p:spPr>
+          <a:xfrm>
+            <a:off x="409344" y="3231642"/>
+            <a:ext cx="1740874" cy="1740874"/>
+          </a:xfrm>
+          <a:prstGeom prst="rect">
+            <a:avLst/>
+          </a:prstGeom>
+        </p:spPr>
+      </p:pic>
     </p:spTree>
   </p:cSld>
   <p:clrMapOvr>
@@ -9366,6 +9397,191 @@
 </file>
 
 <file path=ppt/slides/slide10.xml><?xml version="1.0" encoding="utf-8"?>
+<p:sld xmlns:a="http://schemas.openxmlformats.org/drawingml/2006/main" xmlns:r="http://schemas.openxmlformats.org/officeDocument/2006/relationships" xmlns:p="http://schemas.openxmlformats.org/presentationml/2006/main">
+  <p:cSld>
+    <p:spTree>
+      <p:nvGrpSpPr>
+        <p:cNvPr id="1" name=""/>
+        <p:cNvGrpSpPr/>
+        <p:nvPr/>
+      </p:nvGrpSpPr>
+      <p:grpSpPr>
+        <a:xfrm>
+          <a:off x="0" y="0"/>
+          <a:ext cx="0" cy="0"/>
+          <a:chOff x="0" y="0"/>
+          <a:chExt cx="0" cy="0"/>
+        </a:xfrm>
+      </p:grpSpPr>
+      <p:sp>
+        <p:nvSpPr>
+          <p:cNvPr id="2" name="Titolo 1">
+            <a:extLst>
+              <a:ext uri="{FF2B5EF4-FFF2-40B4-BE49-F238E27FC236}">
+                <a16:creationId xmlns:a16="http://schemas.microsoft.com/office/drawing/2014/main" id="{25E1EBE3-8D7C-4039-8684-B81B2145A0C1}"/>
+              </a:ext>
+            </a:extLst>
+          </p:cNvPr>
+          <p:cNvSpPr>
+            <a:spLocks noGrp="1"/>
+          </p:cNvSpPr>
+          <p:nvPr>
+            <p:ph type="title"/>
+          </p:nvPr>
+        </p:nvSpPr>
+        <p:spPr/>
+        <p:txBody>
+          <a:bodyPr>
+            <a:normAutofit fontScale="90000"/>
+          </a:bodyPr>
+          <a:lstStyle/>
+          <a:p>
+            <a:r>
+              <a:rPr lang="it-IT" dirty="0"/>
+              <a:t>SEQUENCE DIAGRAMS:  DEEP IN DETAILS....</a:t>
+            </a:r>
+            <a:br>
+              <a:rPr lang="it-IT" dirty="0"/>
+            </a:br>
+            <a:br>
+              <a:rPr lang="it-IT" dirty="0"/>
+            </a:br>
+            <a:r>
+              <a:rPr lang="it-IT" i="1" dirty="0" err="1"/>
+              <a:t>Pollutants</a:t>
+            </a:r>
+            <a:r>
+              <a:rPr lang="it-IT" i="1" dirty="0"/>
+              <a:t> </a:t>
+            </a:r>
+            <a:r>
+              <a:rPr lang="it-IT" i="1" dirty="0" err="1"/>
+              <a:t>Eval</a:t>
+            </a:r>
+            <a:r>
+              <a:rPr lang="it-IT" i="1" dirty="0"/>
+              <a:t>.                               Location </a:t>
+            </a:r>
+            <a:r>
+              <a:rPr lang="it-IT" i="1" dirty="0" err="1"/>
+              <a:t>Comparison</a:t>
+            </a:r>
+            <a:endParaRPr lang="it-IT" i="1" dirty="0"/>
+          </a:p>
+        </p:txBody>
+      </p:sp>
+      <p:sp>
+        <p:nvSpPr>
+          <p:cNvPr id="5" name="Segnaposto numero diapositiva 4">
+            <a:extLst>
+              <a:ext uri="{FF2B5EF4-FFF2-40B4-BE49-F238E27FC236}">
+                <a16:creationId xmlns:a16="http://schemas.microsoft.com/office/drawing/2014/main" id="{578F2DE0-7C4B-4FC7-B088-FD0617AC889C}"/>
+              </a:ext>
+            </a:extLst>
+          </p:cNvPr>
+          <p:cNvSpPr>
+            <a:spLocks noGrp="1"/>
+          </p:cNvSpPr>
+          <p:nvPr>
+            <p:ph type="sldNum" idx="12"/>
+          </p:nvPr>
+        </p:nvSpPr>
+        <p:spPr/>
+        <p:txBody>
+          <a:bodyPr/>
+          <a:lstStyle/>
+          <a:p>
+            <a:pPr marL="0" lvl="0" indent="0" algn="r" rtl="0">
+              <a:spcBef>
+                <a:spcPts val="0"/>
+              </a:spcBef>
+              <a:spcAft>
+                <a:spcPts val="0"/>
+              </a:spcAft>
+              <a:buNone/>
+            </a:pPr>
+            <a:fld id="{00000000-1234-1234-1234-123412341234}" type="slidenum">
+              <a:rPr lang="it-IT"/>
+              <a:t>10</a:t>
+            </a:fld>
+            <a:endParaRPr lang="it-IT"/>
+          </a:p>
+        </p:txBody>
+      </p:sp>
+      <p:pic>
+        <p:nvPicPr>
+          <p:cNvPr id="4" name="Immagine 3">
+            <a:extLst>
+              <a:ext uri="{FF2B5EF4-FFF2-40B4-BE49-F238E27FC236}">
+                <a16:creationId xmlns:a16="http://schemas.microsoft.com/office/drawing/2014/main" id="{6655E03A-402A-47FA-948A-013C3AABDCCF}"/>
+              </a:ext>
+            </a:extLst>
+          </p:cNvPr>
+          <p:cNvPicPr>
+            <a:picLocks noChangeAspect="1"/>
+          </p:cNvPicPr>
+          <p:nvPr/>
+        </p:nvPicPr>
+        <p:blipFill>
+          <a:blip r:embed="rId2"/>
+          <a:stretch>
+            <a:fillRect/>
+          </a:stretch>
+        </p:blipFill>
+        <p:spPr>
+          <a:xfrm>
+            <a:off x="78206" y="1898068"/>
+            <a:ext cx="4493794" cy="2960794"/>
+          </a:xfrm>
+          <a:prstGeom prst="rect">
+            <a:avLst/>
+          </a:prstGeom>
+        </p:spPr>
+      </p:pic>
+      <p:pic>
+        <p:nvPicPr>
+          <p:cNvPr id="9" name="Immagine 8">
+            <a:extLst>
+              <a:ext uri="{FF2B5EF4-FFF2-40B4-BE49-F238E27FC236}">
+                <a16:creationId xmlns:a16="http://schemas.microsoft.com/office/drawing/2014/main" id="{CC3D4CC9-DB6C-45C9-A527-ABB7951A9675}"/>
+              </a:ext>
+            </a:extLst>
+          </p:cNvPr>
+          <p:cNvPicPr>
+            <a:picLocks noChangeAspect="1"/>
+          </p:cNvPicPr>
+          <p:nvPr/>
+        </p:nvPicPr>
+        <p:blipFill>
+          <a:blip r:embed="rId3"/>
+          <a:stretch>
+            <a:fillRect/>
+          </a:stretch>
+        </p:blipFill>
+        <p:spPr>
+          <a:xfrm>
+            <a:off x="4733540" y="1898068"/>
+            <a:ext cx="4287618" cy="2960794"/>
+          </a:xfrm>
+          <a:prstGeom prst="rect">
+            <a:avLst/>
+          </a:prstGeom>
+        </p:spPr>
+      </p:pic>
+    </p:spTree>
+    <p:extLst>
+      <p:ext uri="{BB962C8B-B14F-4D97-AF65-F5344CB8AC3E}">
+        <p14:creationId xmlns:p14="http://schemas.microsoft.com/office/powerpoint/2010/main" val="1319221603"/>
+      </p:ext>
+    </p:extLst>
+  </p:cSld>
+  <p:clrMapOvr>
+    <a:masterClrMapping/>
+  </p:clrMapOvr>
+</p:sld>
+</file>
+
+<file path=ppt/slides/slide11.xml><?xml version="1.0" encoding="utf-8"?>
 <p:sld xmlns:a="http://schemas.openxmlformats.org/drawingml/2006/main" xmlns:r="http://schemas.openxmlformats.org/officeDocument/2006/relationships" xmlns:p="http://schemas.openxmlformats.org/presentationml/2006/main">
   <p:cSld>
     <p:spTree>
@@ -9465,7 +9681,7 @@
             </a:pPr>
             <a:fld id="{00000000-1234-1234-1234-123412341234}" type="slidenum">
               <a:rPr lang="it-IT"/>
-              <a:t>10</a:t>
+              <a:t>11</a:t>
             </a:fld>
             <a:endParaRPr lang="it-IT"/>
           </a:p>
@@ -11313,6 +11529,168 @@
           <p:cNvPr id="2" name="Titolo 1">
             <a:extLst>
               <a:ext uri="{FF2B5EF4-FFF2-40B4-BE49-F238E27FC236}">
+                <a16:creationId xmlns:a16="http://schemas.microsoft.com/office/drawing/2014/main" id="{129EDC6B-5928-4F5A-B77D-300F348C6545}"/>
+              </a:ext>
+            </a:extLst>
+          </p:cNvPr>
+          <p:cNvSpPr>
+            <a:spLocks noGrp="1"/>
+          </p:cNvSpPr>
+          <p:nvPr>
+            <p:ph type="title"/>
+          </p:nvPr>
+        </p:nvSpPr>
+        <p:spPr/>
+        <p:txBody>
+          <a:bodyPr/>
+          <a:lstStyle/>
+          <a:p>
+            <a:r>
+              <a:rPr lang="it-IT" dirty="0"/>
+              <a:t>OUR AIR QUALITY DEFINITION</a:t>
+            </a:r>
+          </a:p>
+        </p:txBody>
+      </p:sp>
+      <p:sp>
+        <p:nvSpPr>
+          <p:cNvPr id="4" name="Segnaposto testo 3">
+            <a:extLst>
+              <a:ext uri="{FF2B5EF4-FFF2-40B4-BE49-F238E27FC236}">
+                <a16:creationId xmlns:a16="http://schemas.microsoft.com/office/drawing/2014/main" id="{5C40358C-DB7C-4572-A026-F36274E82CFC}"/>
+              </a:ext>
+            </a:extLst>
+          </p:cNvPr>
+          <p:cNvSpPr>
+            <a:spLocks noGrp="1"/>
+          </p:cNvSpPr>
+          <p:nvPr>
+            <p:ph type="body" idx="2"/>
+          </p:nvPr>
+        </p:nvSpPr>
+        <p:spPr>
+          <a:xfrm>
+            <a:off x="-66906" y="4793296"/>
+            <a:ext cx="7699306" cy="700407"/>
+          </a:xfrm>
+        </p:spPr>
+        <p:txBody>
+          <a:bodyPr/>
+          <a:lstStyle/>
+          <a:p>
+            <a:pPr marL="146050" indent="0">
+              <a:buNone/>
+            </a:pPr>
+            <a:r>
+              <a:rPr lang="it-IT" dirty="0"/>
+              <a:t>https://www.eea.europa.eu/themes/air/air-quality-index</a:t>
+            </a:r>
+          </a:p>
+        </p:txBody>
+      </p:sp>
+      <p:sp>
+        <p:nvSpPr>
+          <p:cNvPr id="5" name="Segnaposto numero diapositiva 4">
+            <a:extLst>
+              <a:ext uri="{FF2B5EF4-FFF2-40B4-BE49-F238E27FC236}">
+                <a16:creationId xmlns:a16="http://schemas.microsoft.com/office/drawing/2014/main" id="{749447BD-023B-447C-B5A6-63661322DF5F}"/>
+              </a:ext>
+            </a:extLst>
+          </p:cNvPr>
+          <p:cNvSpPr>
+            <a:spLocks noGrp="1"/>
+          </p:cNvSpPr>
+          <p:nvPr>
+            <p:ph type="sldNum" idx="12"/>
+          </p:nvPr>
+        </p:nvSpPr>
+        <p:spPr/>
+        <p:txBody>
+          <a:bodyPr/>
+          <a:lstStyle/>
+          <a:p>
+            <a:pPr marL="0" lvl="0" indent="0" algn="r" rtl="0">
+              <a:spcBef>
+                <a:spcPts val="0"/>
+              </a:spcBef>
+              <a:spcAft>
+                <a:spcPts val="0"/>
+              </a:spcAft>
+              <a:buNone/>
+            </a:pPr>
+            <a:fld id="{00000000-1234-1234-1234-123412341234}" type="slidenum">
+              <a:rPr lang="it-IT" smtClean="0"/>
+              <a:t>5</a:t>
+            </a:fld>
+            <a:endParaRPr lang="it-IT"/>
+          </a:p>
+        </p:txBody>
+      </p:sp>
+      <p:pic>
+        <p:nvPicPr>
+          <p:cNvPr id="7" name="Immagine 6" descr="Immagine che contiene testo&#10;&#10;Descrizione generata automaticamente">
+            <a:extLst>
+              <a:ext uri="{FF2B5EF4-FFF2-40B4-BE49-F238E27FC236}">
+                <a16:creationId xmlns:a16="http://schemas.microsoft.com/office/drawing/2014/main" id="{2378AD17-EB83-4987-B42C-2D4DB5FF7527}"/>
+              </a:ext>
+            </a:extLst>
+          </p:cNvPr>
+          <p:cNvPicPr>
+            <a:picLocks noChangeAspect="1"/>
+          </p:cNvPicPr>
+          <p:nvPr/>
+        </p:nvPicPr>
+        <p:blipFill>
+          <a:blip r:embed="rId2"/>
+          <a:stretch>
+            <a:fillRect/>
+          </a:stretch>
+        </p:blipFill>
+        <p:spPr>
+          <a:xfrm>
+            <a:off x="1390643" y="1305841"/>
+            <a:ext cx="6362713" cy="3052578"/>
+          </a:xfrm>
+          <a:prstGeom prst="rect">
+            <a:avLst/>
+          </a:prstGeom>
+        </p:spPr>
+      </p:pic>
+    </p:spTree>
+    <p:extLst>
+      <p:ext uri="{BB962C8B-B14F-4D97-AF65-F5344CB8AC3E}">
+        <p14:creationId xmlns:p14="http://schemas.microsoft.com/office/powerpoint/2010/main" val="2432772405"/>
+      </p:ext>
+    </p:extLst>
+  </p:cSld>
+  <p:clrMapOvr>
+    <a:masterClrMapping/>
+  </p:clrMapOvr>
+</p:sld>
+</file>
+
+<file path=ppt/slides/slide6.xml><?xml version="1.0" encoding="utf-8"?>
+<p:sld xmlns:a="http://schemas.openxmlformats.org/drawingml/2006/main" xmlns:r="http://schemas.openxmlformats.org/officeDocument/2006/relationships" xmlns:p="http://schemas.openxmlformats.org/presentationml/2006/main">
+  <p:cSld>
+    <p:spTree>
+      <p:nvGrpSpPr>
+        <p:cNvPr id="1" name=""/>
+        <p:cNvGrpSpPr/>
+        <p:nvPr/>
+      </p:nvGrpSpPr>
+      <p:grpSpPr>
+        <a:xfrm>
+          <a:off x="0" y="0"/>
+          <a:ext cx="0" cy="0"/>
+          <a:chOff x="0" y="0"/>
+          <a:chExt cx="0" cy="0"/>
+        </a:xfrm>
+      </p:grpSpPr>
+      <p:sp>
+        <p:nvSpPr>
+          <p:cNvPr id="2" name="Titolo 1">
+            <a:extLst>
+              <a:ext uri="{FF2B5EF4-FFF2-40B4-BE49-F238E27FC236}">
                 <a16:creationId xmlns:a16="http://schemas.microsoft.com/office/drawing/2014/main" id="{B88FAAEB-471B-480A-8C60-D0C3763F5112}"/>
               </a:ext>
             </a:extLst>
@@ -11368,7 +11746,7 @@
             </a:pPr>
             <a:fld id="{00000000-1234-1234-1234-123412341234}" type="slidenum">
               <a:rPr lang="it-IT"/>
-              <a:t>5</a:t>
+              <a:t>6</a:t>
             </a:fld>
             <a:endParaRPr lang="it-IT"/>
           </a:p>
@@ -11417,7 +11795,7 @@
 </p:sld>
 </file>
 
-<file path=ppt/slides/slide6.xml><?xml version="1.0" encoding="utf-8"?>
+<file path=ppt/slides/slide7.xml><?xml version="1.0" encoding="utf-8"?>
 <p:sld xmlns:a="http://schemas.openxmlformats.org/drawingml/2006/main" xmlns:r="http://schemas.openxmlformats.org/officeDocument/2006/relationships" xmlns:p="http://schemas.openxmlformats.org/presentationml/2006/main">
   <p:cSld>
     <p:spTree>
@@ -11494,7 +11872,7 @@
             </a:pPr>
             <a:fld id="{00000000-1234-1234-1234-123412341234}" type="slidenum">
               <a:rPr lang="it-IT"/>
-              <a:t>6</a:t>
+              <a:t>7</a:t>
             </a:fld>
             <a:endParaRPr lang="it-IT"/>
           </a:p>
@@ -11543,7 +11921,7 @@
 </p:sld>
 </file>
 
-<file path=ppt/slides/slide7.xml><?xml version="1.0" encoding="utf-8"?>
+<file path=ppt/slides/slide8.xml><?xml version="1.0" encoding="utf-8"?>
 <p:sld xmlns:a="http://schemas.openxmlformats.org/drawingml/2006/main" xmlns:r="http://schemas.openxmlformats.org/officeDocument/2006/relationships" xmlns:p="http://schemas.openxmlformats.org/presentationml/2006/main">
   <p:cSld>
     <p:spTree>
@@ -11637,7 +12015,7 @@
             </a:pPr>
             <a:fld id="{00000000-1234-1234-1234-123412341234}" type="slidenum">
               <a:rPr lang="it-IT"/>
-              <a:t>7</a:t>
+              <a:t>8</a:t>
             </a:fld>
             <a:endParaRPr lang="it-IT"/>
           </a:p>
@@ -11686,7 +12064,7 @@
 </p:sld>
 </file>
 
-<file path=ppt/slides/slide8.xml><?xml version="1.0" encoding="utf-8"?>
+<file path=ppt/slides/slide9.xml><?xml version="1.0" encoding="utf-8"?>
 <p:sld xmlns:a="http://schemas.openxmlformats.org/drawingml/2006/main" xmlns:r="http://schemas.openxmlformats.org/officeDocument/2006/relationships" xmlns:p="http://schemas.openxmlformats.org/presentationml/2006/main">
   <p:cSld>
     <p:spTree>
@@ -11788,7 +12166,7 @@
             </a:pPr>
             <a:fld id="{00000000-1234-1234-1234-123412341234}" type="slidenum">
               <a:rPr lang="it-IT"/>
-              <a:t>8</a:t>
+              <a:t>9</a:t>
             </a:fld>
             <a:endParaRPr lang="it-IT"/>
           </a:p>
@@ -11858,191 +12236,6 @@
     <p:extLst>
       <p:ext uri="{BB962C8B-B14F-4D97-AF65-F5344CB8AC3E}">
         <p14:creationId xmlns:p14="http://schemas.microsoft.com/office/powerpoint/2010/main" val="1365218053"/>
-      </p:ext>
-    </p:extLst>
-  </p:cSld>
-  <p:clrMapOvr>
-    <a:masterClrMapping/>
-  </p:clrMapOvr>
-</p:sld>
-</file>
-
-<file path=ppt/slides/slide9.xml><?xml version="1.0" encoding="utf-8"?>
-<p:sld xmlns:a="http://schemas.openxmlformats.org/drawingml/2006/main" xmlns:r="http://schemas.openxmlformats.org/officeDocument/2006/relationships" xmlns:p="http://schemas.openxmlformats.org/presentationml/2006/main">
-  <p:cSld>
-    <p:spTree>
-      <p:nvGrpSpPr>
-        <p:cNvPr id="1" name=""/>
-        <p:cNvGrpSpPr/>
-        <p:nvPr/>
-      </p:nvGrpSpPr>
-      <p:grpSpPr>
-        <a:xfrm>
-          <a:off x="0" y="0"/>
-          <a:ext cx="0" cy="0"/>
-          <a:chOff x="0" y="0"/>
-          <a:chExt cx="0" cy="0"/>
-        </a:xfrm>
-      </p:grpSpPr>
-      <p:sp>
-        <p:nvSpPr>
-          <p:cNvPr id="2" name="Titolo 1">
-            <a:extLst>
-              <a:ext uri="{FF2B5EF4-FFF2-40B4-BE49-F238E27FC236}">
-                <a16:creationId xmlns:a16="http://schemas.microsoft.com/office/drawing/2014/main" id="{25E1EBE3-8D7C-4039-8684-B81B2145A0C1}"/>
-              </a:ext>
-            </a:extLst>
-          </p:cNvPr>
-          <p:cNvSpPr>
-            <a:spLocks noGrp="1"/>
-          </p:cNvSpPr>
-          <p:nvPr>
-            <p:ph type="title"/>
-          </p:nvPr>
-        </p:nvSpPr>
-        <p:spPr/>
-        <p:txBody>
-          <a:bodyPr>
-            <a:normAutofit fontScale="90000"/>
-          </a:bodyPr>
-          <a:lstStyle/>
-          <a:p>
-            <a:r>
-              <a:rPr lang="it-IT" dirty="0"/>
-              <a:t>SEQUENCE DIAGRAMS:  DEEP IN DETAILS....</a:t>
-            </a:r>
-            <a:br>
-              <a:rPr lang="it-IT" dirty="0"/>
-            </a:br>
-            <a:br>
-              <a:rPr lang="it-IT" dirty="0"/>
-            </a:br>
-            <a:r>
-              <a:rPr lang="it-IT" i="1" dirty="0" err="1"/>
-              <a:t>Pollutants</a:t>
-            </a:r>
-            <a:r>
-              <a:rPr lang="it-IT" i="1" dirty="0"/>
-              <a:t> </a:t>
-            </a:r>
-            <a:r>
-              <a:rPr lang="it-IT" i="1" dirty="0" err="1"/>
-              <a:t>Eval</a:t>
-            </a:r>
-            <a:r>
-              <a:rPr lang="it-IT" i="1" dirty="0"/>
-              <a:t>.                               Location </a:t>
-            </a:r>
-            <a:r>
-              <a:rPr lang="it-IT" i="1" dirty="0" err="1"/>
-              <a:t>Comparison</a:t>
-            </a:r>
-            <a:endParaRPr lang="it-IT" i="1" dirty="0"/>
-          </a:p>
-        </p:txBody>
-      </p:sp>
-      <p:sp>
-        <p:nvSpPr>
-          <p:cNvPr id="5" name="Segnaposto numero diapositiva 4">
-            <a:extLst>
-              <a:ext uri="{FF2B5EF4-FFF2-40B4-BE49-F238E27FC236}">
-                <a16:creationId xmlns:a16="http://schemas.microsoft.com/office/drawing/2014/main" id="{578F2DE0-7C4B-4FC7-B088-FD0617AC889C}"/>
-              </a:ext>
-            </a:extLst>
-          </p:cNvPr>
-          <p:cNvSpPr>
-            <a:spLocks noGrp="1"/>
-          </p:cNvSpPr>
-          <p:nvPr>
-            <p:ph type="sldNum" idx="12"/>
-          </p:nvPr>
-        </p:nvSpPr>
-        <p:spPr/>
-        <p:txBody>
-          <a:bodyPr/>
-          <a:lstStyle/>
-          <a:p>
-            <a:pPr marL="0" lvl="0" indent="0" algn="r" rtl="0">
-              <a:spcBef>
-                <a:spcPts val="0"/>
-              </a:spcBef>
-              <a:spcAft>
-                <a:spcPts val="0"/>
-              </a:spcAft>
-              <a:buNone/>
-            </a:pPr>
-            <a:fld id="{00000000-1234-1234-1234-123412341234}" type="slidenum">
-              <a:rPr lang="it-IT"/>
-              <a:t>9</a:t>
-            </a:fld>
-            <a:endParaRPr lang="it-IT"/>
-          </a:p>
-        </p:txBody>
-      </p:sp>
-      <p:pic>
-        <p:nvPicPr>
-          <p:cNvPr id="4" name="Immagine 3">
-            <a:extLst>
-              <a:ext uri="{FF2B5EF4-FFF2-40B4-BE49-F238E27FC236}">
-                <a16:creationId xmlns:a16="http://schemas.microsoft.com/office/drawing/2014/main" id="{6655E03A-402A-47FA-948A-013C3AABDCCF}"/>
-              </a:ext>
-            </a:extLst>
-          </p:cNvPr>
-          <p:cNvPicPr>
-            <a:picLocks noChangeAspect="1"/>
-          </p:cNvPicPr>
-          <p:nvPr/>
-        </p:nvPicPr>
-        <p:blipFill>
-          <a:blip r:embed="rId2"/>
-          <a:stretch>
-            <a:fillRect/>
-          </a:stretch>
-        </p:blipFill>
-        <p:spPr>
-          <a:xfrm>
-            <a:off x="78206" y="1898068"/>
-            <a:ext cx="4493794" cy="2960794"/>
-          </a:xfrm>
-          <a:prstGeom prst="rect">
-            <a:avLst/>
-          </a:prstGeom>
-        </p:spPr>
-      </p:pic>
-      <p:pic>
-        <p:nvPicPr>
-          <p:cNvPr id="9" name="Immagine 8">
-            <a:extLst>
-              <a:ext uri="{FF2B5EF4-FFF2-40B4-BE49-F238E27FC236}">
-                <a16:creationId xmlns:a16="http://schemas.microsoft.com/office/drawing/2014/main" id="{CC3D4CC9-DB6C-45C9-A527-ABB7951A9675}"/>
-              </a:ext>
-            </a:extLst>
-          </p:cNvPr>
-          <p:cNvPicPr>
-            <a:picLocks noChangeAspect="1"/>
-          </p:cNvPicPr>
-          <p:nvPr/>
-        </p:nvPicPr>
-        <p:blipFill>
-          <a:blip r:embed="rId3"/>
-          <a:stretch>
-            <a:fillRect/>
-          </a:stretch>
-        </p:blipFill>
-        <p:spPr>
-          <a:xfrm>
-            <a:off x="4733540" y="1898068"/>
-            <a:ext cx="4287618" cy="2960794"/>
-          </a:xfrm>
-          <a:prstGeom prst="rect">
-            <a:avLst/>
-          </a:prstGeom>
-        </p:spPr>
-      </p:pic>
-    </p:spTree>
-    <p:extLst>
-      <p:ext uri="{BB962C8B-B14F-4D97-AF65-F5344CB8AC3E}">
-        <p14:creationId xmlns:p14="http://schemas.microsoft.com/office/powerpoint/2010/main" val="1319221603"/>
       </p:ext>
     </p:extLst>
   </p:cSld>

--- a/presentation.pptx
+++ b/presentation.pptx
@@ -296,7 +296,9 @@
     <p1510:client id="{37044F7C-DF1B-408E-86C3-C695130693FE}" v="9" dt="2021-12-07T21:46:45.971"/>
     <p1510:client id="{434F7545-5788-4B8E-B5B5-CC82B4D51645}" v="1205" dt="2021-12-07T21:39:01.913"/>
     <p1510:client id="{72BCDCB3-4A6E-4964-ADAC-C4272E37199A}" v="5" dt="2021-12-07T21:56:48.816"/>
+    <p1510:client id="{9A6F4319-FEBC-412F-AC71-521345DFE371}" v="63" dt="2021-12-09T07:34:56.238"/>
     <p1510:client id="{A2DE4F1A-642B-4E72-9316-6FE6BD755749}" v="109" dt="2021-12-07T22:11:47.555"/>
+    <p1510:client id="{DF03175E-1B3D-E3B2-3B3F-1E909722F35E}" v="44" dt="2021-12-09T07:39:45.049"/>
     <p1510:client id="{F64C1180-3DBB-400F-BC57-F76B4AC8D4ED}" v="485" dt="2021-12-08T16:25:41.732"/>
   </p1510:revLst>
 </p1510:revInfo>
@@ -9360,10 +9362,10 @@
       </p:sp>
       <p:pic>
         <p:nvPicPr>
-          <p:cNvPr id="4" name="Immagine 3">
+          <p:cNvPr id="3" name="Immagine 3" descr="Immagine che contiene testo&#10;&#10;Descrizione generata automaticamente">
             <a:extLst>
               <a:ext uri="{FF2B5EF4-FFF2-40B4-BE49-F238E27FC236}">
-                <a16:creationId xmlns:a16="http://schemas.microsoft.com/office/drawing/2014/main" id="{C07E3443-1CF4-4C0F-BFDF-A2E62FB6118F}"/>
+                <a16:creationId xmlns:a16="http://schemas.microsoft.com/office/drawing/2014/main" id="{E5F89953-7C9E-4A1D-9368-0E92D6B95901}"/>
               </a:ext>
             </a:extLst>
           </p:cNvPr>
@@ -9380,8 +9382,8 @@
         </p:blipFill>
         <p:spPr>
           <a:xfrm>
-            <a:off x="409344" y="3231642"/>
-            <a:ext cx="1740874" cy="1740874"/>
+            <a:off x="603337" y="3148535"/>
+            <a:ext cx="1752600" cy="1743075"/>
           </a:xfrm>
           <a:prstGeom prst="rect">
             <a:avLst/>
@@ -9460,7 +9462,7 @@
             </a:r>
             <a:r>
               <a:rPr lang="it-IT" i="1" dirty="0"/>
-              <a:t>.                               Location </a:t>
+              <a:t>.                       Location </a:t>
             </a:r>
             <a:r>
               <a:rPr lang="it-IT" i="1" dirty="0" err="1"/>
@@ -9510,10 +9512,10 @@
       </p:sp>
       <p:pic>
         <p:nvPicPr>
-          <p:cNvPr id="4" name="Immagine 3">
+          <p:cNvPr id="6" name="Immagine 6">
             <a:extLst>
               <a:ext uri="{FF2B5EF4-FFF2-40B4-BE49-F238E27FC236}">
-                <a16:creationId xmlns:a16="http://schemas.microsoft.com/office/drawing/2014/main" id="{6655E03A-402A-47FA-948A-013C3AABDCCF}"/>
+                <a16:creationId xmlns:a16="http://schemas.microsoft.com/office/drawing/2014/main" id="{34DEA80B-2F22-4737-B703-127DAFC0F040}"/>
               </a:ext>
             </a:extLst>
           </p:cNvPr>
@@ -9522,16 +9524,15 @@
           </p:cNvPicPr>
           <p:nvPr/>
         </p:nvPicPr>
-        <p:blipFill>
+        <p:blipFill rotWithShape="1">
           <a:blip r:embed="rId2"/>
-          <a:stretch>
-            <a:fillRect/>
-          </a:stretch>
+          <a:srcRect l="13626" t="12038" r="31410" b="30971"/>
+          <a:stretch/>
         </p:blipFill>
         <p:spPr>
           <a:xfrm>
-            <a:off x="78206" y="1898068"/>
-            <a:ext cx="4493794" cy="2960794"/>
+            <a:off x="275896" y="1720866"/>
+            <a:ext cx="4191044" cy="2883493"/>
           </a:xfrm>
           <a:prstGeom prst="rect">
             <a:avLst/>
@@ -9540,10 +9541,10 @@
       </p:pic>
       <p:pic>
         <p:nvPicPr>
-          <p:cNvPr id="9" name="Immagine 8">
+          <p:cNvPr id="7" name="Immagine 7">
             <a:extLst>
               <a:ext uri="{FF2B5EF4-FFF2-40B4-BE49-F238E27FC236}">
-                <a16:creationId xmlns:a16="http://schemas.microsoft.com/office/drawing/2014/main" id="{CC3D4CC9-DB6C-45C9-A527-ABB7951A9675}"/>
+                <a16:creationId xmlns:a16="http://schemas.microsoft.com/office/drawing/2014/main" id="{8CF4FD92-393E-4686-9049-99E19FA1C1C0}"/>
               </a:ext>
             </a:extLst>
           </p:cNvPr>
@@ -9552,16 +9553,15 @@
           </p:cNvPicPr>
           <p:nvPr/>
         </p:nvPicPr>
-        <p:blipFill>
+        <p:blipFill rotWithShape="1">
           <a:blip r:embed="rId3"/>
-          <a:stretch>
-            <a:fillRect/>
-          </a:stretch>
+          <a:srcRect l="12184" t="11020" r="19885" b="30000"/>
+          <a:stretch/>
         </p:blipFill>
         <p:spPr>
           <a:xfrm>
-            <a:off x="4733540" y="1898068"/>
-            <a:ext cx="4287618" cy="2960794"/>
+            <a:off x="4682772" y="1717898"/>
+            <a:ext cx="4123143" cy="2879982"/>
           </a:xfrm>
           <a:prstGeom prst="rect">
             <a:avLst/>
@@ -9798,7 +9798,7 @@
         </p:nvSpPr>
         <p:spPr>
           <a:xfrm>
-            <a:off x="1867242" y="1361575"/>
+            <a:off x="1577578" y="1408548"/>
             <a:ext cx="5687109" cy="3117000"/>
           </a:xfrm>
           <a:prstGeom prst="rect">
@@ -9815,9 +9815,48 @@
               <a:buSzPts val="1900"/>
             </a:pPr>
             <a:r>
+              <a:rPr lang="de" sz="1900" dirty="0">
+                <a:solidFill>
+                  <a:srgbClr val="FFFF00"/>
+                </a:solidFill>
+              </a:rPr>
+              <a:t>User – Friendly GUI</a:t>
+            </a:r>
+            <a:endParaRPr lang="de" sz="1900" i="1" dirty="0"/>
+          </a:p>
+          <a:p>
+            <a:pPr indent="-349250">
+              <a:lnSpc>
+                <a:spcPct val="114999"/>
+              </a:lnSpc>
+              <a:buSzPts val="1900"/>
+            </a:pPr>
+            <a:endParaRPr lang="de" sz="1900" i="1" dirty="0"/>
+          </a:p>
+          <a:p>
+            <a:pPr indent="-349250">
+              <a:lnSpc>
+                <a:spcPct val="114999"/>
+              </a:lnSpc>
+              <a:buSzPts val="1900"/>
+            </a:pPr>
+            <a:r>
               <a:rPr lang="de" sz="1900" i="1" dirty="0"/>
-              <a:t>Unique Funtcionalities Provided</a:t>
+              <a:t>Unique </a:t>
             </a:r>
+            <a:r>
+              <a:rPr lang="de" sz="1900" i="1" dirty="0" err="1"/>
+              <a:t>Functionalities</a:t>
+            </a:r>
+            <a:r>
+              <a:rPr lang="de" sz="1900" i="1" dirty="0"/>
+              <a:t> </a:t>
+            </a:r>
+            <a:r>
+              <a:rPr lang="de" sz="1900" i="1" dirty="0" err="1"/>
+              <a:t>Provided</a:t>
+            </a:r>
+            <a:endParaRPr lang="de" dirty="0" err="1"/>
           </a:p>
           <a:p>
             <a:pPr indent="-349250">
@@ -9842,41 +9881,6 @@
             <a:r>
               <a:rPr lang="de" sz="1900" dirty="0"/>
               <a:t>Real-Time Evaluations</a:t>
-            </a:r>
-          </a:p>
-          <a:p>
-            <a:pPr marL="457200" lvl="0" indent="-349250" algn="l">
-              <a:lnSpc>
-                <a:spcPct val="114999"/>
-              </a:lnSpc>
-              <a:spcBef>
-                <a:spcPts val="0"/>
-              </a:spcBef>
-              <a:spcAft>
-                <a:spcPts val="0"/>
-              </a:spcAft>
-              <a:buSzPts val="1900"/>
-              <a:buChar char="●"/>
-            </a:pPr>
-            <a:endParaRPr lang="de" sz="1900" dirty="0"/>
-          </a:p>
-          <a:p>
-            <a:pPr marL="457200" lvl="0" indent="-349250" algn="l">
-              <a:lnSpc>
-                <a:spcPct val="114999"/>
-              </a:lnSpc>
-              <a:spcBef>
-                <a:spcPts val="0"/>
-              </a:spcBef>
-              <a:spcAft>
-                <a:spcPts val="0"/>
-              </a:spcAft>
-              <a:buSzPts val="1900"/>
-              <a:buChar char="●"/>
-            </a:pPr>
-            <a:r>
-              <a:rPr lang="de" sz="1900" dirty="0"/>
-              <a:t>Lifetime Software Support</a:t>
             </a:r>
           </a:p>
           <a:p>
@@ -9919,8 +9923,20 @@
               <a:buSzPts val="1900"/>
             </a:pPr>
             <a:r>
-              <a:rPr lang="de" sz="1900" dirty="0"/>
-              <a:t>Expert Software Engineers </a:t>
+              <a:rPr lang="de" sz="1900" dirty="0">
+                <a:solidFill>
+                  <a:schemeClr val="bg1"/>
+                </a:solidFill>
+              </a:rPr>
+              <a:t>High </a:t>
+            </a:r>
+            <a:r>
+              <a:rPr lang="de" sz="1900" dirty="0" err="1">
+                <a:solidFill>
+                  <a:schemeClr val="bg1"/>
+                </a:solidFill>
+              </a:rPr>
+              <a:t>Scalability</a:t>
             </a:r>
           </a:p>
         </p:txBody>
@@ -10083,207 +10099,186 @@
           </a:p>
         </p:txBody>
       </p:sp>
-      <p:grpSp>
-        <p:nvGrpSpPr>
-          <p:cNvPr id="5" name="Gruppo 4">
+      <p:pic>
+        <p:nvPicPr>
+          <p:cNvPr id="8" name="Elemento grafico 8" descr="Segno di spunta con riempimento a tinta unita">
             <a:extLst>
               <a:ext uri="{FF2B5EF4-FFF2-40B4-BE49-F238E27FC236}">
-                <a16:creationId xmlns:a16="http://schemas.microsoft.com/office/drawing/2014/main" id="{E7741B43-6393-4A91-87AC-80EC738E414E}"/>
+                <a16:creationId xmlns:a16="http://schemas.microsoft.com/office/drawing/2014/main" id="{4462A14B-E2E4-4D5D-B8DC-3A11A19931A9}"/>
               </a:ext>
             </a:extLst>
           </p:cNvPr>
-          <p:cNvGrpSpPr/>
+          <p:cNvPicPr>
+            <a:picLocks noChangeAspect="1"/>
+          </p:cNvPicPr>
           <p:nvPr/>
-        </p:nvGrpSpPr>
-        <p:grpSpPr>
+        </p:nvPicPr>
+        <p:blipFill>
+          <a:blip r:embed="rId5">
+            <a:extLst>
+              <a:ext uri="{96DAC541-7B7A-43D3-8B79-37D633B846F1}">
+                <asvg:svgBlip xmlns:asvg="http://schemas.microsoft.com/office/drawing/2016/SVG/main" r:embed="rId6"/>
+              </a:ext>
+            </a:extLst>
+          </a:blip>
+          <a:stretch>
+            <a:fillRect/>
+          </a:stretch>
+        </p:blipFill>
+        <p:spPr>
           <a:xfrm>
-            <a:off x="5845138" y="1284365"/>
-            <a:ext cx="411806" cy="2933558"/>
-            <a:chOff x="5275396" y="1284365"/>
-            <a:chExt cx="509690" cy="2933558"/>
+            <a:off x="5602447" y="1409626"/>
+            <a:ext cx="411806" cy="509690"/>
           </a:xfrm>
-        </p:grpSpPr>
-        <p:pic>
-          <p:nvPicPr>
-            <p:cNvPr id="8" name="Elemento grafico 8" descr="Segno di spunta con riempimento a tinta unita">
-              <a:extLst>
-                <a:ext uri="{FF2B5EF4-FFF2-40B4-BE49-F238E27FC236}">
-                  <a16:creationId xmlns:a16="http://schemas.microsoft.com/office/drawing/2014/main" id="{4462A14B-E2E4-4D5D-B8DC-3A11A19931A9}"/>
-                </a:ext>
-              </a:extLst>
-            </p:cNvPr>
-            <p:cNvPicPr>
-              <a:picLocks noChangeAspect="1"/>
-            </p:cNvPicPr>
-            <p:nvPr/>
-          </p:nvPicPr>
-          <p:blipFill>
-            <a:blip r:embed="rId5">
-              <a:extLst>
-                <a:ext uri="{96DAC541-7B7A-43D3-8B79-37D633B846F1}">
-                  <asvg:svgBlip xmlns:asvg="http://schemas.microsoft.com/office/drawing/2016/SVG/main" r:embed="rId6"/>
-                </a:ext>
-              </a:extLst>
-            </a:blip>
-            <a:stretch>
-              <a:fillRect/>
-            </a:stretch>
-          </p:blipFill>
-          <p:spPr>
-            <a:xfrm>
-              <a:off x="5275396" y="1284365"/>
-              <a:ext cx="509690" cy="509690"/>
-            </a:xfrm>
-            <a:prstGeom prst="rect">
-              <a:avLst/>
-            </a:prstGeom>
-          </p:spPr>
-        </p:pic>
-        <p:pic>
-          <p:nvPicPr>
-            <p:cNvPr id="10" name="Elemento grafico 8" descr="Segno di spunta con riempimento a tinta unita">
-              <a:extLst>
-                <a:ext uri="{FF2B5EF4-FFF2-40B4-BE49-F238E27FC236}">
-                  <a16:creationId xmlns:a16="http://schemas.microsoft.com/office/drawing/2014/main" id="{C4355E51-FF98-4E0C-B4B7-5F0FC6B2D095}"/>
-                </a:ext>
-              </a:extLst>
-            </p:cNvPr>
-            <p:cNvPicPr>
-              <a:picLocks noChangeAspect="1"/>
-            </p:cNvPicPr>
-            <p:nvPr/>
-          </p:nvPicPr>
-          <p:blipFill>
-            <a:blip r:embed="rId5">
-              <a:extLst>
-                <a:ext uri="{96DAC541-7B7A-43D3-8B79-37D633B846F1}">
-                  <asvg:svgBlip xmlns:asvg="http://schemas.microsoft.com/office/drawing/2016/SVG/main" r:embed="rId6"/>
-                </a:ext>
-              </a:extLst>
-            </a:blip>
-            <a:stretch>
-              <a:fillRect/>
-            </a:stretch>
-          </p:blipFill>
-          <p:spPr>
-            <a:xfrm>
-              <a:off x="5275396" y="1890332"/>
-              <a:ext cx="509690" cy="509690"/>
-            </a:xfrm>
-            <a:prstGeom prst="rect">
-              <a:avLst/>
-            </a:prstGeom>
-          </p:spPr>
-        </p:pic>
-        <p:pic>
-          <p:nvPicPr>
-            <p:cNvPr id="11" name="Elemento grafico 8" descr="Segno di spunta con riempimento a tinta unita">
-              <a:extLst>
-                <a:ext uri="{FF2B5EF4-FFF2-40B4-BE49-F238E27FC236}">
-                  <a16:creationId xmlns:a16="http://schemas.microsoft.com/office/drawing/2014/main" id="{3F3BC934-DA27-472D-B7D2-F87937315592}"/>
-                </a:ext>
-              </a:extLst>
-            </p:cNvPr>
-            <p:cNvPicPr>
-              <a:picLocks noChangeAspect="1"/>
-            </p:cNvPicPr>
-            <p:nvPr/>
-          </p:nvPicPr>
-          <p:blipFill>
-            <a:blip r:embed="rId5">
-              <a:extLst>
-                <a:ext uri="{96DAC541-7B7A-43D3-8B79-37D633B846F1}">
-                  <asvg:svgBlip xmlns:asvg="http://schemas.microsoft.com/office/drawing/2016/SVG/main" r:embed="rId6"/>
-                </a:ext>
-              </a:extLst>
-            </a:blip>
-            <a:stretch>
-              <a:fillRect/>
-            </a:stretch>
-          </p:blipFill>
-          <p:spPr>
-            <a:xfrm>
-              <a:off x="5275396" y="2496299"/>
-              <a:ext cx="509690" cy="509690"/>
-            </a:xfrm>
-            <a:prstGeom prst="rect">
-              <a:avLst/>
-            </a:prstGeom>
-          </p:spPr>
-        </p:pic>
-        <p:pic>
-          <p:nvPicPr>
-            <p:cNvPr id="12" name="Elemento grafico 8" descr="Segno di spunta con riempimento a tinta unita">
-              <a:extLst>
-                <a:ext uri="{FF2B5EF4-FFF2-40B4-BE49-F238E27FC236}">
-                  <a16:creationId xmlns:a16="http://schemas.microsoft.com/office/drawing/2014/main" id="{DDD7ADE1-390C-40F4-BA07-8AAC7AE5203B}"/>
-                </a:ext>
-              </a:extLst>
-            </p:cNvPr>
-            <p:cNvPicPr>
-              <a:picLocks noChangeAspect="1"/>
-            </p:cNvPicPr>
-            <p:nvPr/>
-          </p:nvPicPr>
-          <p:blipFill>
-            <a:blip r:embed="rId5">
-              <a:extLst>
-                <a:ext uri="{96DAC541-7B7A-43D3-8B79-37D633B846F1}">
-                  <asvg:svgBlip xmlns:asvg="http://schemas.microsoft.com/office/drawing/2016/SVG/main" r:embed="rId6"/>
-                </a:ext>
-              </a:extLst>
-            </a:blip>
-            <a:stretch>
-              <a:fillRect/>
-            </a:stretch>
-          </p:blipFill>
-          <p:spPr>
-            <a:xfrm>
-              <a:off x="5275396" y="3102266"/>
-              <a:ext cx="509690" cy="509690"/>
-            </a:xfrm>
-            <a:prstGeom prst="rect">
-              <a:avLst/>
-            </a:prstGeom>
-          </p:spPr>
-        </p:pic>
-        <p:pic>
-          <p:nvPicPr>
-            <p:cNvPr id="13" name="Elemento grafico 8" descr="Segno di spunta con riempimento a tinta unita">
-              <a:extLst>
-                <a:ext uri="{FF2B5EF4-FFF2-40B4-BE49-F238E27FC236}">
-                  <a16:creationId xmlns:a16="http://schemas.microsoft.com/office/drawing/2014/main" id="{7CB8477C-7C3D-41E1-8A50-D9B3B7CD881B}"/>
-                </a:ext>
-              </a:extLst>
-            </p:cNvPr>
-            <p:cNvPicPr>
-              <a:picLocks noChangeAspect="1"/>
-            </p:cNvPicPr>
-            <p:nvPr/>
-          </p:nvPicPr>
-          <p:blipFill>
-            <a:blip r:embed="rId5">
-              <a:extLst>
-                <a:ext uri="{96DAC541-7B7A-43D3-8B79-37D633B846F1}">
-                  <asvg:svgBlip xmlns:asvg="http://schemas.microsoft.com/office/drawing/2016/SVG/main" r:embed="rId6"/>
-                </a:ext>
-              </a:extLst>
-            </a:blip>
-            <a:stretch>
-              <a:fillRect/>
-            </a:stretch>
-          </p:blipFill>
-          <p:spPr>
-            <a:xfrm>
-              <a:off x="5275396" y="3708233"/>
-              <a:ext cx="509690" cy="509690"/>
-            </a:xfrm>
-            <a:prstGeom prst="rect">
-              <a:avLst/>
-            </a:prstGeom>
-          </p:spPr>
-        </p:pic>
-      </p:grpSp>
+          <a:prstGeom prst="rect">
+            <a:avLst/>
+          </a:prstGeom>
+        </p:spPr>
+      </p:pic>
+      <p:pic>
+        <p:nvPicPr>
+          <p:cNvPr id="10" name="Elemento grafico 8" descr="Segno di spunta con riempimento a tinta unita">
+            <a:extLst>
+              <a:ext uri="{FF2B5EF4-FFF2-40B4-BE49-F238E27FC236}">
+                <a16:creationId xmlns:a16="http://schemas.microsoft.com/office/drawing/2014/main" id="{C4355E51-FF98-4E0C-B4B7-5F0FC6B2D095}"/>
+              </a:ext>
+            </a:extLst>
+          </p:cNvPr>
+          <p:cNvPicPr>
+            <a:picLocks noChangeAspect="1"/>
+          </p:cNvPicPr>
+          <p:nvPr/>
+        </p:nvPicPr>
+        <p:blipFill>
+          <a:blip r:embed="rId5">
+            <a:extLst>
+              <a:ext uri="{96DAC541-7B7A-43D3-8B79-37D633B846F1}">
+                <asvg:svgBlip xmlns:asvg="http://schemas.microsoft.com/office/drawing/2016/SVG/main" r:embed="rId6"/>
+              </a:ext>
+            </a:extLst>
+          </a:blip>
+          <a:stretch>
+            <a:fillRect/>
+          </a:stretch>
+        </p:blipFill>
+        <p:spPr>
+          <a:xfrm>
+            <a:off x="5602447" y="2015593"/>
+            <a:ext cx="411806" cy="509690"/>
+          </a:xfrm>
+          <a:prstGeom prst="rect">
+            <a:avLst/>
+          </a:prstGeom>
+        </p:spPr>
+      </p:pic>
+      <p:pic>
+        <p:nvPicPr>
+          <p:cNvPr id="11" name="Elemento grafico 8" descr="Segno di spunta con riempimento a tinta unita">
+            <a:extLst>
+              <a:ext uri="{FF2B5EF4-FFF2-40B4-BE49-F238E27FC236}">
+                <a16:creationId xmlns:a16="http://schemas.microsoft.com/office/drawing/2014/main" id="{3F3BC934-DA27-472D-B7D2-F87937315592}"/>
+              </a:ext>
+            </a:extLst>
+          </p:cNvPr>
+          <p:cNvPicPr>
+            <a:picLocks noChangeAspect="1"/>
+          </p:cNvPicPr>
+          <p:nvPr/>
+        </p:nvPicPr>
+        <p:blipFill>
+          <a:blip r:embed="rId5">
+            <a:extLst>
+              <a:ext uri="{96DAC541-7B7A-43D3-8B79-37D633B846F1}">
+                <asvg:svgBlip xmlns:asvg="http://schemas.microsoft.com/office/drawing/2016/SVG/main" r:embed="rId6"/>
+              </a:ext>
+            </a:extLst>
+          </a:blip>
+          <a:stretch>
+            <a:fillRect/>
+          </a:stretch>
+        </p:blipFill>
+        <p:spPr>
+          <a:xfrm>
+            <a:off x="5602447" y="2598074"/>
+            <a:ext cx="411806" cy="509690"/>
+          </a:xfrm>
+          <a:prstGeom prst="rect">
+            <a:avLst/>
+          </a:prstGeom>
+        </p:spPr>
+      </p:pic>
+      <p:pic>
+        <p:nvPicPr>
+          <p:cNvPr id="12" name="Elemento grafico 8" descr="Segno di spunta con riempimento a tinta unita">
+            <a:extLst>
+              <a:ext uri="{FF2B5EF4-FFF2-40B4-BE49-F238E27FC236}">
+                <a16:creationId xmlns:a16="http://schemas.microsoft.com/office/drawing/2014/main" id="{DDD7ADE1-390C-40F4-BA07-8AAC7AE5203B}"/>
+              </a:ext>
+            </a:extLst>
+          </p:cNvPr>
+          <p:cNvPicPr>
+            <a:picLocks noChangeAspect="1"/>
+          </p:cNvPicPr>
+          <p:nvPr/>
+        </p:nvPicPr>
+        <p:blipFill>
+          <a:blip r:embed="rId5">
+            <a:extLst>
+              <a:ext uri="{96DAC541-7B7A-43D3-8B79-37D633B846F1}">
+                <asvg:svgBlip xmlns:asvg="http://schemas.microsoft.com/office/drawing/2016/SVG/main" r:embed="rId6"/>
+              </a:ext>
+            </a:extLst>
+          </a:blip>
+          <a:stretch>
+            <a:fillRect/>
+          </a:stretch>
+        </p:blipFill>
+        <p:spPr>
+          <a:xfrm>
+            <a:off x="5602447" y="3227527"/>
+            <a:ext cx="411806" cy="509690"/>
+          </a:xfrm>
+          <a:prstGeom prst="rect">
+            <a:avLst/>
+          </a:prstGeom>
+        </p:spPr>
+      </p:pic>
+      <p:pic>
+        <p:nvPicPr>
+          <p:cNvPr id="15" name="Elemento grafico 8" descr="Segno di spunta con riempimento a tinta unita">
+            <a:extLst>
+              <a:ext uri="{FF2B5EF4-FFF2-40B4-BE49-F238E27FC236}">
+                <a16:creationId xmlns:a16="http://schemas.microsoft.com/office/drawing/2014/main" id="{BFEC6410-61BE-42D0-9CFE-3EBC2804563B}"/>
+              </a:ext>
+            </a:extLst>
+          </p:cNvPr>
+          <p:cNvPicPr>
+            <a:picLocks noChangeAspect="1"/>
+          </p:cNvPicPr>
+          <p:nvPr/>
+        </p:nvPicPr>
+        <p:blipFill>
+          <a:blip r:embed="rId5">
+            <a:extLst>
+              <a:ext uri="{96DAC541-7B7A-43D3-8B79-37D633B846F1}">
+                <asvg:svgBlip xmlns:asvg="http://schemas.microsoft.com/office/drawing/2016/SVG/main" r:embed="rId6"/>
+              </a:ext>
+            </a:extLst>
+          </a:blip>
+          <a:stretch>
+            <a:fillRect/>
+          </a:stretch>
+        </p:blipFill>
+        <p:spPr>
+          <a:xfrm>
+            <a:off x="5602446" y="3822513"/>
+            <a:ext cx="411806" cy="509690"/>
+          </a:xfrm>
+          <a:prstGeom prst="rect">
+            <a:avLst/>
+          </a:prstGeom>
+        </p:spPr>
+      </p:pic>
     </p:spTree>
   </p:cSld>
   <p:clrMapOvr>
@@ -11529,7 +11524,7 @@
           <p:cNvPr id="2" name="Titolo 1">
             <a:extLst>
               <a:ext uri="{FF2B5EF4-FFF2-40B4-BE49-F238E27FC236}">
-                <a16:creationId xmlns:a16="http://schemas.microsoft.com/office/drawing/2014/main" id="{129EDC6B-5928-4F5A-B77D-300F348C6545}"/>
+                <a16:creationId xmlns:a16="http://schemas.microsoft.com/office/drawing/2014/main" id="{08321B6A-B713-43F3-A866-6ED0035E0CD3}"/>
               </a:ext>
             </a:extLst>
           </p:cNvPr>
@@ -11547,43 +11542,7 @@
           <a:p>
             <a:r>
               <a:rPr lang="it-IT" dirty="0"/>
-              <a:t>OUR AIR QUALITY DEFINITION</a:t>
-            </a:r>
-          </a:p>
-        </p:txBody>
-      </p:sp>
-      <p:sp>
-        <p:nvSpPr>
-          <p:cNvPr id="4" name="Segnaposto testo 3">
-            <a:extLst>
-              <a:ext uri="{FF2B5EF4-FFF2-40B4-BE49-F238E27FC236}">
-                <a16:creationId xmlns:a16="http://schemas.microsoft.com/office/drawing/2014/main" id="{5C40358C-DB7C-4572-A026-F36274E82CFC}"/>
-              </a:ext>
-            </a:extLst>
-          </p:cNvPr>
-          <p:cNvSpPr>
-            <a:spLocks noGrp="1"/>
-          </p:cNvSpPr>
-          <p:nvPr>
-            <p:ph type="body" idx="2"/>
-          </p:nvPr>
-        </p:nvSpPr>
-        <p:spPr>
-          <a:xfrm>
-            <a:off x="-66906" y="4793296"/>
-            <a:ext cx="7699306" cy="700407"/>
-          </a:xfrm>
-        </p:spPr>
-        <p:txBody>
-          <a:bodyPr/>
-          <a:lstStyle/>
-          <a:p>
-            <a:pPr marL="146050" indent="0">
-              <a:buNone/>
-            </a:pPr>
-            <a:r>
-              <a:rPr lang="it-IT" dirty="0"/>
-              <a:t>https://www.eea.europa.eu/themes/air/air-quality-index</a:t>
+              <a:t>AQI EU RECOMMENDATIONS</a:t>
             </a:r>
           </a:p>
         </p:txBody>
@@ -11593,7 +11552,7 @@
           <p:cNvPr id="5" name="Segnaposto numero diapositiva 4">
             <a:extLst>
               <a:ext uri="{FF2B5EF4-FFF2-40B4-BE49-F238E27FC236}">
-                <a16:creationId xmlns:a16="http://schemas.microsoft.com/office/drawing/2014/main" id="{749447BD-023B-447C-B5A6-63661322DF5F}"/>
+                <a16:creationId xmlns:a16="http://schemas.microsoft.com/office/drawing/2014/main" id="{7AA33C38-CC35-4FD3-90AE-C381B83DE6DE}"/>
               </a:ext>
             </a:extLst>
           </p:cNvPr>
@@ -11619,7 +11578,7 @@
               <a:buNone/>
             </a:pPr>
             <a:fld id="{00000000-1234-1234-1234-123412341234}" type="slidenum">
-              <a:rPr lang="it-IT" smtClean="0"/>
+              <a:rPr lang="it-IT"/>
               <a:t>5</a:t>
             </a:fld>
             <a:endParaRPr lang="it-IT"/>
@@ -11628,10 +11587,10 @@
       </p:sp>
       <p:pic>
         <p:nvPicPr>
-          <p:cNvPr id="7" name="Immagine 6" descr="Immagine che contiene testo&#10;&#10;Descrizione generata automaticamente">
+          <p:cNvPr id="6" name="Immagine 6" descr="Immagine che contiene tavolo&#10;&#10;Descrizione generata automaticamente">
             <a:extLst>
               <a:ext uri="{FF2B5EF4-FFF2-40B4-BE49-F238E27FC236}">
-                <a16:creationId xmlns:a16="http://schemas.microsoft.com/office/drawing/2014/main" id="{2378AD17-EB83-4987-B42C-2D4DB5FF7527}"/>
+                <a16:creationId xmlns:a16="http://schemas.microsoft.com/office/drawing/2014/main" id="{56410740-BAFC-4311-984C-5EDCFF0DD45E}"/>
               </a:ext>
             </a:extLst>
           </p:cNvPr>
@@ -11648,8 +11607,8 @@
         </p:blipFill>
         <p:spPr>
           <a:xfrm>
-            <a:off x="1390643" y="1305841"/>
-            <a:ext cx="6362713" cy="3052578"/>
+            <a:off x="1376298" y="1497719"/>
+            <a:ext cx="6876788" cy="3306720"/>
           </a:xfrm>
           <a:prstGeom prst="rect">
             <a:avLst/>
@@ -11659,7 +11618,7 @@
     </p:spTree>
     <p:extLst>
       <p:ext uri="{BB962C8B-B14F-4D97-AF65-F5344CB8AC3E}">
-        <p14:creationId xmlns:p14="http://schemas.microsoft.com/office/powerpoint/2010/main" val="2432772405"/>
+        <p14:creationId xmlns:p14="http://schemas.microsoft.com/office/powerpoint/2010/main" val="2918403929"/>
       </p:ext>
     </p:extLst>
   </p:cSld>
@@ -11754,10 +11713,10 @@
       </p:sp>
       <p:pic>
         <p:nvPicPr>
-          <p:cNvPr id="4" name="Immagine 3">
+          <p:cNvPr id="6" name="Immagine 6">
             <a:extLst>
               <a:ext uri="{FF2B5EF4-FFF2-40B4-BE49-F238E27FC236}">
-                <a16:creationId xmlns:a16="http://schemas.microsoft.com/office/drawing/2014/main" id="{71C10FEA-DABD-4CDC-8C40-E660C85AB5DC}"/>
+                <a16:creationId xmlns:a16="http://schemas.microsoft.com/office/drawing/2014/main" id="{24C987A1-D634-40C0-98B0-2C9135EF938A}"/>
               </a:ext>
             </a:extLst>
           </p:cNvPr>
@@ -11766,16 +11725,15 @@
           </p:cNvPicPr>
           <p:nvPr/>
         </p:nvPicPr>
-        <p:blipFill>
+        <p:blipFill rotWithShape="1">
           <a:blip r:embed="rId2"/>
-          <a:stretch>
-            <a:fillRect/>
-          </a:stretch>
+          <a:srcRect l="11574" t="21811" r="40509" b="20576"/>
+          <a:stretch/>
         </p:blipFill>
         <p:spPr>
           <a:xfrm>
-            <a:off x="1660214" y="1196898"/>
-            <a:ext cx="5823572" cy="3681910"/>
+            <a:off x="1744250" y="1037158"/>
+            <a:ext cx="5657958" cy="3816384"/>
           </a:xfrm>
           <a:prstGeom prst="rect">
             <a:avLst/>
@@ -11880,10 +11838,10 @@
       </p:sp>
       <p:pic>
         <p:nvPicPr>
-          <p:cNvPr id="6" name="Immagine 5">
+          <p:cNvPr id="6" name="Immagine 6">
             <a:extLst>
               <a:ext uri="{FF2B5EF4-FFF2-40B4-BE49-F238E27FC236}">
-                <a16:creationId xmlns:a16="http://schemas.microsoft.com/office/drawing/2014/main" id="{BFF30726-FD93-4DA5-9EC0-6295D97B590C}"/>
+                <a16:creationId xmlns:a16="http://schemas.microsoft.com/office/drawing/2014/main" id="{6E544D7F-F4E9-458F-B8C5-E2A9B97F37FF}"/>
               </a:ext>
             </a:extLst>
           </p:cNvPr>
@@ -11892,16 +11850,15 @@
           </p:cNvPicPr>
           <p:nvPr/>
         </p:nvPicPr>
-        <p:blipFill>
+        <p:blipFill rotWithShape="1">
           <a:blip r:embed="rId2"/>
-          <a:stretch>
-            <a:fillRect/>
-          </a:stretch>
+          <a:srcRect l="14051" t="11496" r="26667" b="6417"/>
+          <a:stretch/>
         </p:blipFill>
         <p:spPr>
           <a:xfrm>
-            <a:off x="1484146" y="1138419"/>
-            <a:ext cx="6175708" cy="3695251"/>
+            <a:off x="1744013" y="1042497"/>
+            <a:ext cx="5656119" cy="3819523"/>
           </a:xfrm>
           <a:prstGeom prst="rect">
             <a:avLst/>
@@ -12023,10 +11980,10 @@
       </p:sp>
       <p:pic>
         <p:nvPicPr>
-          <p:cNvPr id="7" name="Immagine 6">
+          <p:cNvPr id="10" name="Immagine 10" descr="Immagine che contiene tavolo&#10;&#10;Descrizione generata automaticamente">
             <a:extLst>
               <a:ext uri="{FF2B5EF4-FFF2-40B4-BE49-F238E27FC236}">
-                <a16:creationId xmlns:a16="http://schemas.microsoft.com/office/drawing/2014/main" id="{BB857B9B-3254-4E8F-9C67-AA32194E79F7}"/>
+                <a16:creationId xmlns:a16="http://schemas.microsoft.com/office/drawing/2014/main" id="{9FB3C94E-0AE3-409E-9E08-1D275224C992}"/>
               </a:ext>
             </a:extLst>
           </p:cNvPr>
@@ -12035,16 +11992,15 @@
           </p:cNvPicPr>
           <p:nvPr/>
         </p:nvPicPr>
-        <p:blipFill>
+        <p:blipFill rotWithShape="1">
           <a:blip r:embed="rId2"/>
-          <a:stretch>
-            <a:fillRect/>
-          </a:stretch>
+          <a:srcRect l="16077" t="11179" r="6842" b="25610"/>
+          <a:stretch/>
         </p:blipFill>
         <p:spPr>
           <a:xfrm>
-            <a:off x="927409" y="1533110"/>
-            <a:ext cx="7289181" cy="3389893"/>
+            <a:off x="1406782" y="1674490"/>
+            <a:ext cx="6807409" cy="3134887"/>
           </a:xfrm>
           <a:prstGeom prst="rect">
             <a:avLst/>
@@ -12174,10 +12130,10 @@
       </p:sp>
       <p:pic>
         <p:nvPicPr>
-          <p:cNvPr id="7" name="Immagine 6">
+          <p:cNvPr id="3" name="Immagine 3">
             <a:extLst>
               <a:ext uri="{FF2B5EF4-FFF2-40B4-BE49-F238E27FC236}">
-                <a16:creationId xmlns:a16="http://schemas.microsoft.com/office/drawing/2014/main" id="{21C80CA8-B52D-4D80-AE1E-69344D7273BD}"/>
+                <a16:creationId xmlns:a16="http://schemas.microsoft.com/office/drawing/2014/main" id="{D9337033-E7C2-41E1-8A06-100C637088FE}"/>
               </a:ext>
             </a:extLst>
           </p:cNvPr>
@@ -12186,16 +12142,15 @@
           </p:cNvPicPr>
           <p:nvPr/>
         </p:nvPicPr>
-        <p:blipFill>
+        <p:blipFill rotWithShape="1">
           <a:blip r:embed="rId2"/>
-          <a:stretch>
-            <a:fillRect/>
-          </a:stretch>
+          <a:srcRect l="12616" t="10784" r="29685" b="27778"/>
+          <a:stretch/>
         </p:blipFill>
         <p:spPr>
           <a:xfrm>
-            <a:off x="4854498" y="1741107"/>
-            <a:ext cx="4166660" cy="2891517"/>
+            <a:off x="4681105" y="1722293"/>
+            <a:ext cx="4077435" cy="2879224"/>
           </a:xfrm>
           <a:prstGeom prst="rect">
             <a:avLst/>
@@ -12204,10 +12159,10 @@
       </p:pic>
       <p:pic>
         <p:nvPicPr>
-          <p:cNvPr id="9" name="Immagine 8">
+          <p:cNvPr id="4" name="Immagine 5">
             <a:extLst>
               <a:ext uri="{FF2B5EF4-FFF2-40B4-BE49-F238E27FC236}">
-                <a16:creationId xmlns:a16="http://schemas.microsoft.com/office/drawing/2014/main" id="{E43E9FC2-5D2F-498F-B1E1-BB24F75BDCE0}"/>
+                <a16:creationId xmlns:a16="http://schemas.microsoft.com/office/drawing/2014/main" id="{0D015466-28B4-49B9-B341-FE8AB4A2630B}"/>
               </a:ext>
             </a:extLst>
           </p:cNvPr>
@@ -12216,16 +12171,15 @@
           </p:cNvPicPr>
           <p:nvPr/>
         </p:nvPicPr>
-        <p:blipFill>
+        <p:blipFill rotWithShape="1">
           <a:blip r:embed="rId3"/>
-          <a:stretch>
-            <a:fillRect/>
-          </a:stretch>
+          <a:srcRect l="12560" t="11143" r="20129" b="26000"/>
+          <a:stretch/>
         </p:blipFill>
         <p:spPr>
           <a:xfrm>
-            <a:off x="122842" y="1744738"/>
-            <a:ext cx="4324373" cy="2887886"/>
+            <a:off x="290946" y="1722294"/>
+            <a:ext cx="4155204" cy="2879123"/>
           </a:xfrm>
           <a:prstGeom prst="rect">
             <a:avLst/>

--- a/presentation.pptx
+++ b/presentation.pptx
@@ -13,7 +13,7 @@
     <p:sldId id="266" r:id="rId4"/>
     <p:sldId id="258" r:id="rId5"/>
     <p:sldId id="273" r:id="rId6"/>
-    <p:sldId id="268" r:id="rId7"/>
+    <p:sldId id="274" r:id="rId7"/>
     <p:sldId id="269" r:id="rId8"/>
     <p:sldId id="270" r:id="rId9"/>
     <p:sldId id="271" r:id="rId10"/>
@@ -9462,7 +9462,7 @@
             </a:r>
             <a:r>
               <a:rPr lang="it-IT" i="1" dirty="0"/>
-              <a:t>.                       Location </a:t>
+              <a:t>.                               Location </a:t>
             </a:r>
             <a:r>
               <a:rPr lang="it-IT" i="1" dirty="0" err="1"/>
@@ -9512,10 +9512,10 @@
       </p:sp>
       <p:pic>
         <p:nvPicPr>
-          <p:cNvPr id="6" name="Immagine 6">
+          <p:cNvPr id="4" name="Immagine 3">
             <a:extLst>
               <a:ext uri="{FF2B5EF4-FFF2-40B4-BE49-F238E27FC236}">
-                <a16:creationId xmlns:a16="http://schemas.microsoft.com/office/drawing/2014/main" id="{34DEA80B-2F22-4737-B703-127DAFC0F040}"/>
+                <a16:creationId xmlns:a16="http://schemas.microsoft.com/office/drawing/2014/main" id="{6655E03A-402A-47FA-948A-013C3AABDCCF}"/>
               </a:ext>
             </a:extLst>
           </p:cNvPr>
@@ -9524,15 +9524,16 @@
           </p:cNvPicPr>
           <p:nvPr/>
         </p:nvPicPr>
-        <p:blipFill rotWithShape="1">
+        <p:blipFill>
           <a:blip r:embed="rId2"/>
-          <a:srcRect l="13626" t="12038" r="31410" b="30971"/>
-          <a:stretch/>
+          <a:stretch>
+            <a:fillRect/>
+          </a:stretch>
         </p:blipFill>
         <p:spPr>
           <a:xfrm>
-            <a:off x="275896" y="1720866"/>
-            <a:ext cx="4191044" cy="2883493"/>
+            <a:off x="78206" y="1898068"/>
+            <a:ext cx="4493794" cy="2960794"/>
           </a:xfrm>
           <a:prstGeom prst="rect">
             <a:avLst/>
@@ -9541,10 +9542,10 @@
       </p:pic>
       <p:pic>
         <p:nvPicPr>
-          <p:cNvPr id="7" name="Immagine 7">
+          <p:cNvPr id="9" name="Immagine 8">
             <a:extLst>
               <a:ext uri="{FF2B5EF4-FFF2-40B4-BE49-F238E27FC236}">
-                <a16:creationId xmlns:a16="http://schemas.microsoft.com/office/drawing/2014/main" id="{8CF4FD92-393E-4686-9049-99E19FA1C1C0}"/>
+                <a16:creationId xmlns:a16="http://schemas.microsoft.com/office/drawing/2014/main" id="{CC3D4CC9-DB6C-45C9-A527-ABB7951A9675}"/>
               </a:ext>
             </a:extLst>
           </p:cNvPr>
@@ -9553,15 +9554,16 @@
           </p:cNvPicPr>
           <p:nvPr/>
         </p:nvPicPr>
-        <p:blipFill rotWithShape="1">
+        <p:blipFill>
           <a:blip r:embed="rId3"/>
-          <a:srcRect l="12184" t="11020" r="19885" b="30000"/>
-          <a:stretch/>
+          <a:stretch>
+            <a:fillRect/>
+          </a:stretch>
         </p:blipFill>
         <p:spPr>
           <a:xfrm>
-            <a:off x="4682772" y="1717898"/>
-            <a:ext cx="4123143" cy="2879982"/>
+            <a:off x="4733540" y="1898068"/>
+            <a:ext cx="4287618" cy="2960794"/>
           </a:xfrm>
           <a:prstGeom prst="rect">
             <a:avLst/>
@@ -11713,10 +11715,10 @@
       </p:sp>
       <p:pic>
         <p:nvPicPr>
-          <p:cNvPr id="6" name="Immagine 6">
+          <p:cNvPr id="4" name="Immagine 3">
             <a:extLst>
               <a:ext uri="{FF2B5EF4-FFF2-40B4-BE49-F238E27FC236}">
-                <a16:creationId xmlns:a16="http://schemas.microsoft.com/office/drawing/2014/main" id="{24C987A1-D634-40C0-98B0-2C9135EF938A}"/>
+                <a16:creationId xmlns:a16="http://schemas.microsoft.com/office/drawing/2014/main" id="{71C10FEA-DABD-4CDC-8C40-E660C85AB5DC}"/>
               </a:ext>
             </a:extLst>
           </p:cNvPr>
@@ -11725,15 +11727,16 @@
           </p:cNvPicPr>
           <p:nvPr/>
         </p:nvPicPr>
-        <p:blipFill rotWithShape="1">
+        <p:blipFill>
           <a:blip r:embed="rId2"/>
-          <a:srcRect l="11574" t="21811" r="40509" b="20576"/>
-          <a:stretch/>
+          <a:stretch>
+            <a:fillRect/>
+          </a:stretch>
         </p:blipFill>
         <p:spPr>
           <a:xfrm>
-            <a:off x="1744250" y="1037158"/>
-            <a:ext cx="5657958" cy="3816384"/>
+            <a:off x="1660214" y="1196898"/>
+            <a:ext cx="5823572" cy="3681910"/>
           </a:xfrm>
           <a:prstGeom prst="rect">
             <a:avLst/>
@@ -11743,7 +11746,7 @@
     </p:spTree>
     <p:extLst>
       <p:ext uri="{BB962C8B-B14F-4D97-AF65-F5344CB8AC3E}">
-        <p14:creationId xmlns:p14="http://schemas.microsoft.com/office/powerpoint/2010/main" val="2284455446"/>
+        <p14:creationId xmlns:p14="http://schemas.microsoft.com/office/powerpoint/2010/main" val="3930091645"/>
       </p:ext>
     </p:extLst>
   </p:cSld>
@@ -11838,10 +11841,10 @@
       </p:sp>
       <p:pic>
         <p:nvPicPr>
-          <p:cNvPr id="6" name="Immagine 6">
+          <p:cNvPr id="6" name="Immagine 5">
             <a:extLst>
               <a:ext uri="{FF2B5EF4-FFF2-40B4-BE49-F238E27FC236}">
-                <a16:creationId xmlns:a16="http://schemas.microsoft.com/office/drawing/2014/main" id="{6E544D7F-F4E9-458F-B8C5-E2A9B97F37FF}"/>
+                <a16:creationId xmlns:a16="http://schemas.microsoft.com/office/drawing/2014/main" id="{BFF30726-FD93-4DA5-9EC0-6295D97B590C}"/>
               </a:ext>
             </a:extLst>
           </p:cNvPr>
@@ -11850,15 +11853,16 @@
           </p:cNvPicPr>
           <p:nvPr/>
         </p:nvPicPr>
-        <p:blipFill rotWithShape="1">
+        <p:blipFill>
           <a:blip r:embed="rId2"/>
-          <a:srcRect l="14051" t="11496" r="26667" b="6417"/>
-          <a:stretch/>
+          <a:stretch>
+            <a:fillRect/>
+          </a:stretch>
         </p:blipFill>
         <p:spPr>
           <a:xfrm>
-            <a:off x="1744013" y="1042497"/>
-            <a:ext cx="5656119" cy="3819523"/>
+            <a:off x="1484146" y="1138419"/>
+            <a:ext cx="6175708" cy="3695251"/>
           </a:xfrm>
           <a:prstGeom prst="rect">
             <a:avLst/>
@@ -11980,10 +11984,10 @@
       </p:sp>
       <p:pic>
         <p:nvPicPr>
-          <p:cNvPr id="10" name="Immagine 10" descr="Immagine che contiene tavolo&#10;&#10;Descrizione generata automaticamente">
+          <p:cNvPr id="7" name="Immagine 6">
             <a:extLst>
               <a:ext uri="{FF2B5EF4-FFF2-40B4-BE49-F238E27FC236}">
-                <a16:creationId xmlns:a16="http://schemas.microsoft.com/office/drawing/2014/main" id="{9FB3C94E-0AE3-409E-9E08-1D275224C992}"/>
+                <a16:creationId xmlns:a16="http://schemas.microsoft.com/office/drawing/2014/main" id="{BB857B9B-3254-4E8F-9C67-AA32194E79F7}"/>
               </a:ext>
             </a:extLst>
           </p:cNvPr>
@@ -11992,15 +11996,16 @@
           </p:cNvPicPr>
           <p:nvPr/>
         </p:nvPicPr>
-        <p:blipFill rotWithShape="1">
+        <p:blipFill>
           <a:blip r:embed="rId2"/>
-          <a:srcRect l="16077" t="11179" r="6842" b="25610"/>
-          <a:stretch/>
+          <a:stretch>
+            <a:fillRect/>
+          </a:stretch>
         </p:blipFill>
         <p:spPr>
           <a:xfrm>
-            <a:off x="1406782" y="1674490"/>
-            <a:ext cx="6807409" cy="3134887"/>
+            <a:off x="927409" y="1533110"/>
+            <a:ext cx="7289181" cy="3389893"/>
           </a:xfrm>
           <a:prstGeom prst="rect">
             <a:avLst/>
@@ -12130,10 +12135,10 @@
       </p:sp>
       <p:pic>
         <p:nvPicPr>
-          <p:cNvPr id="3" name="Immagine 3">
+          <p:cNvPr id="7" name="Immagine 6">
             <a:extLst>
               <a:ext uri="{FF2B5EF4-FFF2-40B4-BE49-F238E27FC236}">
-                <a16:creationId xmlns:a16="http://schemas.microsoft.com/office/drawing/2014/main" id="{D9337033-E7C2-41E1-8A06-100C637088FE}"/>
+                <a16:creationId xmlns:a16="http://schemas.microsoft.com/office/drawing/2014/main" id="{21C80CA8-B52D-4D80-AE1E-69344D7273BD}"/>
               </a:ext>
             </a:extLst>
           </p:cNvPr>
@@ -12142,15 +12147,16 @@
           </p:cNvPicPr>
           <p:nvPr/>
         </p:nvPicPr>
-        <p:blipFill rotWithShape="1">
+        <p:blipFill>
           <a:blip r:embed="rId2"/>
-          <a:srcRect l="12616" t="10784" r="29685" b="27778"/>
-          <a:stretch/>
+          <a:stretch>
+            <a:fillRect/>
+          </a:stretch>
         </p:blipFill>
         <p:spPr>
           <a:xfrm>
-            <a:off x="4681105" y="1722293"/>
-            <a:ext cx="4077435" cy="2879224"/>
+            <a:off x="4854498" y="1741107"/>
+            <a:ext cx="4166660" cy="2891517"/>
           </a:xfrm>
           <a:prstGeom prst="rect">
             <a:avLst/>
@@ -12159,10 +12165,10 @@
       </p:pic>
       <p:pic>
         <p:nvPicPr>
-          <p:cNvPr id="4" name="Immagine 5">
+          <p:cNvPr id="9" name="Immagine 8">
             <a:extLst>
               <a:ext uri="{FF2B5EF4-FFF2-40B4-BE49-F238E27FC236}">
-                <a16:creationId xmlns:a16="http://schemas.microsoft.com/office/drawing/2014/main" id="{0D015466-28B4-49B9-B341-FE8AB4A2630B}"/>
+                <a16:creationId xmlns:a16="http://schemas.microsoft.com/office/drawing/2014/main" id="{E43E9FC2-5D2F-498F-B1E1-BB24F75BDCE0}"/>
               </a:ext>
             </a:extLst>
           </p:cNvPr>
@@ -12171,15 +12177,16 @@
           </p:cNvPicPr>
           <p:nvPr/>
         </p:nvPicPr>
-        <p:blipFill rotWithShape="1">
+        <p:blipFill>
           <a:blip r:embed="rId3"/>
-          <a:srcRect l="12560" t="11143" r="20129" b="26000"/>
-          <a:stretch/>
+          <a:stretch>
+            <a:fillRect/>
+          </a:stretch>
         </p:blipFill>
         <p:spPr>
           <a:xfrm>
-            <a:off x="290946" y="1722294"/>
-            <a:ext cx="4155204" cy="2879123"/>
+            <a:off x="122842" y="1744738"/>
+            <a:ext cx="4324373" cy="2887886"/>
           </a:xfrm>
           <a:prstGeom prst="rect">
             <a:avLst/>
